--- a/NodeRank.pptx
+++ b/NodeRank.pptx
@@ -10,12 +10,15 @@
     <p:sldId id="273" r:id="rId4"/>
     <p:sldId id="274" r:id="rId5"/>
     <p:sldId id="275" r:id="rId6"/>
-    <p:sldId id="276" r:id="rId7"/>
-    <p:sldId id="277" r:id="rId8"/>
-    <p:sldId id="278" r:id="rId9"/>
-    <p:sldId id="279" r:id="rId10"/>
-    <p:sldId id="270" r:id="rId11"/>
-    <p:sldId id="272" r:id="rId12"/>
+    <p:sldId id="280" r:id="rId7"/>
+    <p:sldId id="276" r:id="rId8"/>
+    <p:sldId id="277" r:id="rId9"/>
+    <p:sldId id="278" r:id="rId10"/>
+    <p:sldId id="279" r:id="rId11"/>
+    <p:sldId id="282" r:id="rId12"/>
+    <p:sldId id="281" r:id="rId13"/>
+    <p:sldId id="270" r:id="rId14"/>
+    <p:sldId id="272" r:id="rId15"/>
   </p:sldIdLst>
   <p:sldSz cx="12192000" cy="6858000"/>
   <p:notesSz cx="6858000" cy="9144000"/>
@@ -271,7 +274,7 @@
           <a:p>
             <a:fld id="{E95F56F4-0FE0-6F42-A502-8A9B0C7DF54F}" type="datetimeFigureOut">
               <a:rPr lang="en-LU" smtClean="0"/>
-              <a:t>19/01/2023</a:t>
+              <a:t>09/02/2023</a:t>
             </a:fld>
             <a:endParaRPr lang="en-LU"/>
           </a:p>
@@ -471,7 +474,7 @@
           <a:p>
             <a:fld id="{E95F56F4-0FE0-6F42-A502-8A9B0C7DF54F}" type="datetimeFigureOut">
               <a:rPr lang="en-LU" smtClean="0"/>
-              <a:t>19/01/2023</a:t>
+              <a:t>09/02/2023</a:t>
             </a:fld>
             <a:endParaRPr lang="en-LU"/>
           </a:p>
@@ -681,7 +684,7 @@
           <a:p>
             <a:fld id="{E95F56F4-0FE0-6F42-A502-8A9B0C7DF54F}" type="datetimeFigureOut">
               <a:rPr lang="en-LU" smtClean="0"/>
-              <a:t>19/01/2023</a:t>
+              <a:t>09/02/2023</a:t>
             </a:fld>
             <a:endParaRPr lang="en-LU"/>
           </a:p>
@@ -881,7 +884,7 @@
           <a:p>
             <a:fld id="{E95F56F4-0FE0-6F42-A502-8A9B0C7DF54F}" type="datetimeFigureOut">
               <a:rPr lang="en-LU" smtClean="0"/>
-              <a:t>19/01/2023</a:t>
+              <a:t>09/02/2023</a:t>
             </a:fld>
             <a:endParaRPr lang="en-LU"/>
           </a:p>
@@ -1157,7 +1160,7 @@
           <a:p>
             <a:fld id="{E95F56F4-0FE0-6F42-A502-8A9B0C7DF54F}" type="datetimeFigureOut">
               <a:rPr lang="en-LU" smtClean="0"/>
-              <a:t>19/01/2023</a:t>
+              <a:t>09/02/2023</a:t>
             </a:fld>
             <a:endParaRPr lang="en-LU"/>
           </a:p>
@@ -1425,7 +1428,7 @@
           <a:p>
             <a:fld id="{E95F56F4-0FE0-6F42-A502-8A9B0C7DF54F}" type="datetimeFigureOut">
               <a:rPr lang="en-LU" smtClean="0"/>
-              <a:t>19/01/2023</a:t>
+              <a:t>09/02/2023</a:t>
             </a:fld>
             <a:endParaRPr lang="en-LU"/>
           </a:p>
@@ -1840,7 +1843,7 @@
           <a:p>
             <a:fld id="{E95F56F4-0FE0-6F42-A502-8A9B0C7DF54F}" type="datetimeFigureOut">
               <a:rPr lang="en-LU" smtClean="0"/>
-              <a:t>19/01/2023</a:t>
+              <a:t>09/02/2023</a:t>
             </a:fld>
             <a:endParaRPr lang="en-LU"/>
           </a:p>
@@ -1982,7 +1985,7 @@
           <a:p>
             <a:fld id="{E95F56F4-0FE0-6F42-A502-8A9B0C7DF54F}" type="datetimeFigureOut">
               <a:rPr lang="en-LU" smtClean="0"/>
-              <a:t>19/01/2023</a:t>
+              <a:t>09/02/2023</a:t>
             </a:fld>
             <a:endParaRPr lang="en-LU"/>
           </a:p>
@@ -2095,7 +2098,7 @@
           <a:p>
             <a:fld id="{E95F56F4-0FE0-6F42-A502-8A9B0C7DF54F}" type="datetimeFigureOut">
               <a:rPr lang="en-LU" smtClean="0"/>
-              <a:t>19/01/2023</a:t>
+              <a:t>09/02/2023</a:t>
             </a:fld>
             <a:endParaRPr lang="en-LU"/>
           </a:p>
@@ -2408,7 +2411,7 @@
           <a:p>
             <a:fld id="{E95F56F4-0FE0-6F42-A502-8A9B0C7DF54F}" type="datetimeFigureOut">
               <a:rPr lang="en-LU" smtClean="0"/>
-              <a:t>19/01/2023</a:t>
+              <a:t>09/02/2023</a:t>
             </a:fld>
             <a:endParaRPr lang="en-LU"/>
           </a:p>
@@ -2697,7 +2700,7 @@
           <a:p>
             <a:fld id="{E95F56F4-0FE0-6F42-A502-8A9B0C7DF54F}" type="datetimeFigureOut">
               <a:rPr lang="en-LU" smtClean="0"/>
-              <a:t>19/01/2023</a:t>
+              <a:t>09/02/2023</a:t>
             </a:fld>
             <a:endParaRPr lang="en-LU"/>
           </a:p>
@@ -2940,7 +2943,7 @@
           <a:p>
             <a:fld id="{E95F56F4-0FE0-6F42-A502-8A9B0C7DF54F}" type="datetimeFigureOut">
               <a:rPr lang="en-LU" smtClean="0"/>
-              <a:t>19/01/2023</a:t>
+              <a:t>09/02/2023</a:t>
             </a:fld>
             <a:endParaRPr lang="en-LU"/>
           </a:p>
@@ -3473,6 +3476,1632 @@
       </p:grpSpPr>
       <p:sp>
         <p:nvSpPr>
+          <p:cNvPr id="5" name="TextBox 4">
+            <a:extLst>
+              <a:ext uri="{FF2B5EF4-FFF2-40B4-BE49-F238E27FC236}">
+                <a16:creationId xmlns:a16="http://schemas.microsoft.com/office/drawing/2014/main" id="{3012D670-825A-A2BC-79B3-D21AC0B79140}"/>
+              </a:ext>
+            </a:extLst>
+          </p:cNvPr>
+          <p:cNvSpPr txBox="1"/>
+          <p:nvPr/>
+        </p:nvSpPr>
+        <p:spPr>
+          <a:xfrm>
+            <a:off x="753176" y="735717"/>
+            <a:ext cx="8867274" cy="461665"/>
+          </a:xfrm>
+          <a:prstGeom prst="rect">
+            <a:avLst/>
+          </a:prstGeom>
+          <a:noFill/>
+        </p:spPr>
+        <p:txBody>
+          <a:bodyPr wrap="square">
+            <a:spAutoFit/>
+          </a:bodyPr>
+          <a:lstStyle/>
+          <a:p>
+            <a:r>
+              <a:rPr lang="en-LU" sz="2400" b="1" dirty="0"/>
+              <a:t>RQ3: Influence of Ensemble Learning Methods</a:t>
+            </a:r>
+          </a:p>
+        </p:txBody>
+      </p:sp>
+      <p:sp>
+        <p:nvSpPr>
+          <p:cNvPr id="2" name="TextBox 1">
+            <a:extLst>
+              <a:ext uri="{FF2B5EF4-FFF2-40B4-BE49-F238E27FC236}">
+                <a16:creationId xmlns:a16="http://schemas.microsoft.com/office/drawing/2014/main" id="{1B623D83-1974-9F1D-C8B9-274B20F79874}"/>
+              </a:ext>
+            </a:extLst>
+          </p:cNvPr>
+          <p:cNvSpPr txBox="1"/>
+          <p:nvPr/>
+        </p:nvSpPr>
+        <p:spPr>
+          <a:xfrm>
+            <a:off x="184472" y="3379708"/>
+            <a:ext cx="1529586" cy="369332"/>
+          </a:xfrm>
+          <a:prstGeom prst="rect">
+            <a:avLst/>
+          </a:prstGeom>
+          <a:noFill/>
+        </p:spPr>
+        <p:txBody>
+          <a:bodyPr wrap="none" rtlCol="0">
+            <a:spAutoFit/>
+          </a:bodyPr>
+          <a:lstStyle/>
+          <a:p>
+            <a:r>
+              <a:rPr lang="en-LU" dirty="0"/>
+              <a:t>NodeRank_M:</a:t>
+            </a:r>
+          </a:p>
+        </p:txBody>
+      </p:sp>
+      <p:sp>
+        <p:nvSpPr>
+          <p:cNvPr id="3" name="TextBox 2">
+            <a:extLst>
+              <a:ext uri="{FF2B5EF4-FFF2-40B4-BE49-F238E27FC236}">
+                <a16:creationId xmlns:a16="http://schemas.microsoft.com/office/drawing/2014/main" id="{B4C59C07-55B7-ACB9-7C31-639A3C2654B1}"/>
+              </a:ext>
+            </a:extLst>
+          </p:cNvPr>
+          <p:cNvSpPr txBox="1"/>
+          <p:nvPr/>
+        </p:nvSpPr>
+        <p:spPr>
+          <a:xfrm>
+            <a:off x="557784" y="1529593"/>
+            <a:ext cx="8846011" cy="369332"/>
+          </a:xfrm>
+          <a:prstGeom prst="rect">
+            <a:avLst/>
+          </a:prstGeom>
+          <a:noFill/>
+        </p:spPr>
+        <p:txBody>
+          <a:bodyPr wrap="none" rtlCol="0">
+            <a:spAutoFit/>
+          </a:bodyPr>
+          <a:lstStyle/>
+          <a:p>
+            <a:r>
+              <a:rPr lang="en-LU" dirty="0"/>
+              <a:t>Ranking Models: </a:t>
+            </a:r>
+            <a:r>
+              <a:rPr lang="en-GB" dirty="0"/>
+              <a:t>Logistic Regression (LR), Random Forest(RF), XGBoost(XGB), LightGBM(LGB)</a:t>
+            </a:r>
+            <a:endParaRPr lang="en-LU" dirty="0"/>
+          </a:p>
+        </p:txBody>
+      </p:sp>
+      <p:sp>
+        <p:nvSpPr>
+          <p:cNvPr id="7" name="TextBox 6">
+            <a:extLst>
+              <a:ext uri="{FF2B5EF4-FFF2-40B4-BE49-F238E27FC236}">
+                <a16:creationId xmlns:a16="http://schemas.microsoft.com/office/drawing/2014/main" id="{56C05498-9CCD-55E1-4542-BEF12C1FE5FD}"/>
+              </a:ext>
+            </a:extLst>
+          </p:cNvPr>
+          <p:cNvSpPr txBox="1"/>
+          <p:nvPr/>
+        </p:nvSpPr>
+        <p:spPr>
+          <a:xfrm>
+            <a:off x="621792" y="2081706"/>
+            <a:ext cx="7306056" cy="646331"/>
+          </a:xfrm>
+          <a:prstGeom prst="rect">
+            <a:avLst/>
+          </a:prstGeom>
+          <a:noFill/>
+        </p:spPr>
+        <p:txBody>
+          <a:bodyPr wrap="square">
+            <a:spAutoFit/>
+          </a:bodyPr>
+          <a:lstStyle/>
+          <a:p>
+            <a:r>
+              <a:rPr lang="en-LU" dirty="0">
+                <a:solidFill>
+                  <a:srgbClr val="FF0000"/>
+                </a:solidFill>
+              </a:rPr>
+              <a:t>Each model will output a score value (0&lt;score&lt;1)</a:t>
+            </a:r>
+            <a:r>
+              <a:rPr lang="en-US" dirty="0">
+                <a:solidFill>
+                  <a:srgbClr val="FF0000"/>
+                </a:solidFill>
+              </a:rPr>
+              <a:t>.</a:t>
+            </a:r>
+          </a:p>
+          <a:p>
+            <a:r>
+              <a:rPr lang="en-LU" dirty="0">
+                <a:solidFill>
+                  <a:srgbClr val="FF0000"/>
+                </a:solidFill>
+              </a:rPr>
+              <a:t>The larger the value, the more likely the node is to be predicted incorrectly</a:t>
+            </a:r>
+          </a:p>
+        </p:txBody>
+      </p:sp>
+      <p:sp>
+        <p:nvSpPr>
+          <p:cNvPr id="10" name="TextBox 9">
+            <a:extLst>
+              <a:ext uri="{FF2B5EF4-FFF2-40B4-BE49-F238E27FC236}">
+                <a16:creationId xmlns:a16="http://schemas.microsoft.com/office/drawing/2014/main" id="{744196C1-48B7-DB6C-C5A4-796D88EEF360}"/>
+              </a:ext>
+            </a:extLst>
+          </p:cNvPr>
+          <p:cNvSpPr txBox="1"/>
+          <p:nvPr/>
+        </p:nvSpPr>
+        <p:spPr>
+          <a:xfrm>
+            <a:off x="1727774" y="3379708"/>
+            <a:ext cx="5855642" cy="369332"/>
+          </a:xfrm>
+          <a:prstGeom prst="rect">
+            <a:avLst/>
+          </a:prstGeom>
+          <a:noFill/>
+        </p:spPr>
+        <p:txBody>
+          <a:bodyPr wrap="none" rtlCol="0">
+            <a:spAutoFit/>
+          </a:bodyPr>
+          <a:lstStyle/>
+          <a:p>
+            <a:r>
+              <a:rPr lang="en-LU" dirty="0"/>
+              <a:t>LR_score + RF_score + XGB_score + LGB_score = Node_score</a:t>
+            </a:r>
+          </a:p>
+        </p:txBody>
+      </p:sp>
+      <p:sp>
+        <p:nvSpPr>
+          <p:cNvPr id="11" name="TextBox 10">
+            <a:extLst>
+              <a:ext uri="{FF2B5EF4-FFF2-40B4-BE49-F238E27FC236}">
+                <a16:creationId xmlns:a16="http://schemas.microsoft.com/office/drawing/2014/main" id="{411A360F-1BF3-3E76-DA25-2F5E6AB6D335}"/>
+              </a:ext>
+            </a:extLst>
+          </p:cNvPr>
+          <p:cNvSpPr txBox="1"/>
+          <p:nvPr/>
+        </p:nvSpPr>
+        <p:spPr>
+          <a:xfrm>
+            <a:off x="184472" y="4007596"/>
+            <a:ext cx="1537600" cy="369332"/>
+          </a:xfrm>
+          <a:prstGeom prst="rect">
+            <a:avLst/>
+          </a:prstGeom>
+          <a:noFill/>
+        </p:spPr>
+        <p:txBody>
+          <a:bodyPr wrap="none" rtlCol="0">
+            <a:spAutoFit/>
+          </a:bodyPr>
+          <a:lstStyle/>
+          <a:p>
+            <a:r>
+              <a:rPr lang="en-LU" dirty="0"/>
+              <a:t>NodeRank_W:</a:t>
+            </a:r>
+          </a:p>
+        </p:txBody>
+      </p:sp>
+      <p:sp>
+        <p:nvSpPr>
+          <p:cNvPr id="12" name="TextBox 11">
+            <a:extLst>
+              <a:ext uri="{FF2B5EF4-FFF2-40B4-BE49-F238E27FC236}">
+                <a16:creationId xmlns:a16="http://schemas.microsoft.com/office/drawing/2014/main" id="{9C4899FA-AADE-F926-6CFF-51841BBE59FF}"/>
+              </a:ext>
+            </a:extLst>
+          </p:cNvPr>
+          <p:cNvSpPr txBox="1"/>
+          <p:nvPr/>
+        </p:nvSpPr>
+        <p:spPr>
+          <a:xfrm>
+            <a:off x="1727774" y="4007596"/>
+            <a:ext cx="10403554" cy="369332"/>
+          </a:xfrm>
+          <a:prstGeom prst="rect">
+            <a:avLst/>
+          </a:prstGeom>
+          <a:noFill/>
+        </p:spPr>
+        <p:txBody>
+          <a:bodyPr wrap="none" rtlCol="0">
+            <a:spAutoFit/>
+          </a:bodyPr>
+          <a:lstStyle/>
+          <a:p>
+            <a:r>
+              <a:rPr lang="en-LU" dirty="0"/>
+              <a:t>APFD_LR * LR_score + APFD_RF * RF_score + APFD_XGB * XGB_score + APFD_LGB * LGB_score = Node_score</a:t>
+            </a:r>
+          </a:p>
+        </p:txBody>
+      </p:sp>
+      <p:sp>
+        <p:nvSpPr>
+          <p:cNvPr id="13" name="TextBox 12">
+            <a:extLst>
+              <a:ext uri="{FF2B5EF4-FFF2-40B4-BE49-F238E27FC236}">
+                <a16:creationId xmlns:a16="http://schemas.microsoft.com/office/drawing/2014/main" id="{D4B01B35-A404-836D-8C83-082A3B4562A2}"/>
+              </a:ext>
+            </a:extLst>
+          </p:cNvPr>
+          <p:cNvSpPr txBox="1"/>
+          <p:nvPr/>
+        </p:nvSpPr>
+        <p:spPr>
+          <a:xfrm>
+            <a:off x="184472" y="4708559"/>
+            <a:ext cx="1455655" cy="369332"/>
+          </a:xfrm>
+          <a:prstGeom prst="rect">
+            <a:avLst/>
+          </a:prstGeom>
+          <a:noFill/>
+        </p:spPr>
+        <p:txBody>
+          <a:bodyPr wrap="none" rtlCol="0">
+            <a:spAutoFit/>
+          </a:bodyPr>
+          <a:lstStyle/>
+          <a:p>
+            <a:r>
+              <a:rPr lang="en-LU" dirty="0"/>
+              <a:t>NodeRank_V:</a:t>
+            </a:r>
+          </a:p>
+        </p:txBody>
+      </p:sp>
+      <p:sp>
+        <p:nvSpPr>
+          <p:cNvPr id="16" name="Oval 15">
+            <a:extLst>
+              <a:ext uri="{FF2B5EF4-FFF2-40B4-BE49-F238E27FC236}">
+                <a16:creationId xmlns:a16="http://schemas.microsoft.com/office/drawing/2014/main" id="{862F02F8-A326-01FD-FFE1-4B37A8147D77}"/>
+              </a:ext>
+            </a:extLst>
+          </p:cNvPr>
+          <p:cNvSpPr/>
+          <p:nvPr/>
+        </p:nvSpPr>
+        <p:spPr>
+          <a:xfrm>
+            <a:off x="1270488" y="2805580"/>
+            <a:ext cx="158261" cy="158261"/>
+          </a:xfrm>
+          <a:prstGeom prst="ellipse">
+            <a:avLst/>
+          </a:prstGeom>
+        </p:spPr>
+        <p:style>
+          <a:lnRef idx="2">
+            <a:schemeClr val="dk1">
+              <a:shade val="50000"/>
+            </a:schemeClr>
+          </a:lnRef>
+          <a:fillRef idx="1">
+            <a:schemeClr val="dk1"/>
+          </a:fillRef>
+          <a:effectRef idx="0">
+            <a:schemeClr val="dk1"/>
+          </a:effectRef>
+          <a:fontRef idx="minor">
+            <a:schemeClr val="lt1"/>
+          </a:fontRef>
+        </p:style>
+        <p:txBody>
+          <a:bodyPr rtlCol="0" anchor="ctr"/>
+          <a:lstStyle/>
+          <a:p>
+            <a:pPr algn="ctr"/>
+            <a:endParaRPr lang="en-LU"/>
+          </a:p>
+        </p:txBody>
+      </p:sp>
+      <p:sp>
+        <p:nvSpPr>
+          <p:cNvPr id="17" name="TextBox 16">
+            <a:extLst>
+              <a:ext uri="{FF2B5EF4-FFF2-40B4-BE49-F238E27FC236}">
+                <a16:creationId xmlns:a16="http://schemas.microsoft.com/office/drawing/2014/main" id="{4B37F16C-8009-EFCA-39D7-D1B56B7DD8E6}"/>
+              </a:ext>
+            </a:extLst>
+          </p:cNvPr>
+          <p:cNvSpPr txBox="1"/>
+          <p:nvPr/>
+        </p:nvSpPr>
+        <p:spPr>
+          <a:xfrm>
+            <a:off x="965939" y="2805580"/>
+            <a:ext cx="317716" cy="369332"/>
+          </a:xfrm>
+          <a:prstGeom prst="rect">
+            <a:avLst/>
+          </a:prstGeom>
+          <a:noFill/>
+        </p:spPr>
+        <p:txBody>
+          <a:bodyPr wrap="none" rtlCol="0">
+            <a:spAutoFit/>
+          </a:bodyPr>
+          <a:lstStyle/>
+          <a:p>
+            <a:r>
+              <a:rPr lang="en-LU" dirty="0"/>
+              <a:t>A</a:t>
+            </a:r>
+          </a:p>
+        </p:txBody>
+      </p:sp>
+      <p:sp>
+        <p:nvSpPr>
+          <p:cNvPr id="22" name="TextBox 21">
+            <a:extLst>
+              <a:ext uri="{FF2B5EF4-FFF2-40B4-BE49-F238E27FC236}">
+                <a16:creationId xmlns:a16="http://schemas.microsoft.com/office/drawing/2014/main" id="{010E547F-ECBD-07D5-E045-6698F335EC17}"/>
+              </a:ext>
+            </a:extLst>
+          </p:cNvPr>
+          <p:cNvSpPr txBox="1"/>
+          <p:nvPr/>
+        </p:nvSpPr>
+        <p:spPr>
+          <a:xfrm>
+            <a:off x="1714058" y="4708559"/>
+            <a:ext cx="8956106" cy="369332"/>
+          </a:xfrm>
+          <a:prstGeom prst="rect">
+            <a:avLst/>
+          </a:prstGeom>
+          <a:noFill/>
+        </p:spPr>
+        <p:txBody>
+          <a:bodyPr wrap="none" rtlCol="0">
+            <a:spAutoFit/>
+          </a:bodyPr>
+          <a:lstStyle/>
+          <a:p>
+            <a:r>
+              <a:rPr lang="en-GB" dirty="0"/>
+              <a:t>R</a:t>
+            </a:r>
+            <a:r>
+              <a:rPr lang="en-LU" dirty="0"/>
+              <a:t>ound(LR_score) + </a:t>
+            </a:r>
+            <a:r>
+              <a:rPr lang="en-GB" dirty="0"/>
+              <a:t>R</a:t>
+            </a:r>
+            <a:r>
+              <a:rPr lang="en-LU" dirty="0"/>
+              <a:t>ound(RF_score ) + </a:t>
+            </a:r>
+            <a:r>
+              <a:rPr lang="en-GB" dirty="0"/>
+              <a:t>R</a:t>
+            </a:r>
+            <a:r>
+              <a:rPr lang="en-LU" dirty="0"/>
+              <a:t>ound(XGB_score ) + </a:t>
+            </a:r>
+            <a:r>
+              <a:rPr lang="en-GB" dirty="0"/>
+              <a:t>R</a:t>
+            </a:r>
+            <a:r>
+              <a:rPr lang="en-LU" dirty="0"/>
+              <a:t>ound(LGB_score) = Node_score</a:t>
+            </a:r>
+          </a:p>
+        </p:txBody>
+      </p:sp>
+      <p:sp>
+        <p:nvSpPr>
+          <p:cNvPr id="23" name="TextBox 22">
+            <a:extLst>
+              <a:ext uri="{FF2B5EF4-FFF2-40B4-BE49-F238E27FC236}">
+                <a16:creationId xmlns:a16="http://schemas.microsoft.com/office/drawing/2014/main" id="{A5EE3356-3B6B-D33F-B226-6FDF6C47FCE2}"/>
+              </a:ext>
+            </a:extLst>
+          </p:cNvPr>
+          <p:cNvSpPr txBox="1"/>
+          <p:nvPr/>
+        </p:nvSpPr>
+        <p:spPr>
+          <a:xfrm>
+            <a:off x="192486" y="5404723"/>
+            <a:ext cx="1438214" cy="369332"/>
+          </a:xfrm>
+          <a:prstGeom prst="rect">
+            <a:avLst/>
+          </a:prstGeom>
+          <a:noFill/>
+        </p:spPr>
+        <p:txBody>
+          <a:bodyPr wrap="none" rtlCol="0">
+            <a:spAutoFit/>
+          </a:bodyPr>
+          <a:lstStyle/>
+          <a:p>
+            <a:r>
+              <a:rPr lang="en-LU" dirty="0"/>
+              <a:t>NodeRank_S:</a:t>
+            </a:r>
+          </a:p>
+        </p:txBody>
+      </p:sp>
+      <p:sp>
+        <p:nvSpPr>
+          <p:cNvPr id="26" name="TextBox 25">
+            <a:extLst>
+              <a:ext uri="{FF2B5EF4-FFF2-40B4-BE49-F238E27FC236}">
+                <a16:creationId xmlns:a16="http://schemas.microsoft.com/office/drawing/2014/main" id="{5ACCCC03-F5BE-C11F-8E06-9809D5150E34}"/>
+              </a:ext>
+            </a:extLst>
+          </p:cNvPr>
+          <p:cNvSpPr txBox="1"/>
+          <p:nvPr/>
+        </p:nvSpPr>
+        <p:spPr>
+          <a:xfrm>
+            <a:off x="2395332" y="5801639"/>
+            <a:ext cx="981359" cy="369332"/>
+          </a:xfrm>
+          <a:prstGeom prst="rect">
+            <a:avLst/>
+          </a:prstGeom>
+          <a:noFill/>
+        </p:spPr>
+        <p:txBody>
+          <a:bodyPr wrap="none" rtlCol="0">
+            <a:spAutoFit/>
+          </a:bodyPr>
+          <a:lstStyle/>
+          <a:p>
+            <a:r>
+              <a:rPr lang="en-US" altLang="zh-CN" dirty="0"/>
+              <a:t>1 0 1 0 1</a:t>
+            </a:r>
+          </a:p>
+        </p:txBody>
+      </p:sp>
+      <p:sp>
+        <p:nvSpPr>
+          <p:cNvPr id="27" name="TextBox 26">
+            <a:extLst>
+              <a:ext uri="{FF2B5EF4-FFF2-40B4-BE49-F238E27FC236}">
+                <a16:creationId xmlns:a16="http://schemas.microsoft.com/office/drawing/2014/main" id="{214DD56E-2DA2-FF93-DBFD-CE82545048B3}"/>
+              </a:ext>
+            </a:extLst>
+          </p:cNvPr>
+          <p:cNvSpPr txBox="1"/>
+          <p:nvPr/>
+        </p:nvSpPr>
+        <p:spPr>
+          <a:xfrm>
+            <a:off x="9153939" y="2474843"/>
+            <a:ext cx="1563313" cy="646331"/>
+          </a:xfrm>
+          <a:prstGeom prst="rect">
+            <a:avLst/>
+          </a:prstGeom>
+          <a:noFill/>
+        </p:spPr>
+        <p:txBody>
+          <a:bodyPr wrap="none" rtlCol="0">
+            <a:spAutoFit/>
+          </a:bodyPr>
+          <a:lstStyle/>
+          <a:p>
+            <a:r>
+              <a:rPr lang="en-GB" dirty="0"/>
+              <a:t>R</a:t>
+            </a:r>
+            <a:r>
+              <a:rPr lang="en-LU" dirty="0"/>
+              <a:t>ound</a:t>
+            </a:r>
+            <a:r>
+              <a:rPr lang="en-US" dirty="0"/>
+              <a:t>(0.3) = 0</a:t>
+            </a:r>
+          </a:p>
+          <a:p>
+            <a:r>
+              <a:rPr lang="en-US" dirty="0"/>
+              <a:t>Round(0.8) = 1</a:t>
+            </a:r>
+            <a:endParaRPr lang="en-LU" dirty="0"/>
+          </a:p>
+        </p:txBody>
+      </p:sp>
+      <p:sp>
+        <p:nvSpPr>
+          <p:cNvPr id="28" name="Oval 27">
+            <a:extLst>
+              <a:ext uri="{FF2B5EF4-FFF2-40B4-BE49-F238E27FC236}">
+                <a16:creationId xmlns:a16="http://schemas.microsoft.com/office/drawing/2014/main" id="{0A82822F-1789-48FB-0ECF-B0C7B451E3FC}"/>
+              </a:ext>
+            </a:extLst>
+          </p:cNvPr>
+          <p:cNvSpPr/>
+          <p:nvPr/>
+        </p:nvSpPr>
+        <p:spPr>
+          <a:xfrm>
+            <a:off x="1990621" y="5879149"/>
+            <a:ext cx="158261" cy="158261"/>
+          </a:xfrm>
+          <a:prstGeom prst="ellipse">
+            <a:avLst/>
+          </a:prstGeom>
+        </p:spPr>
+        <p:style>
+          <a:lnRef idx="2">
+            <a:schemeClr val="dk1">
+              <a:shade val="50000"/>
+            </a:schemeClr>
+          </a:lnRef>
+          <a:fillRef idx="1">
+            <a:schemeClr val="dk1"/>
+          </a:fillRef>
+          <a:effectRef idx="0">
+            <a:schemeClr val="dk1"/>
+          </a:effectRef>
+          <a:fontRef idx="minor">
+            <a:schemeClr val="lt1"/>
+          </a:fontRef>
+        </p:style>
+        <p:txBody>
+          <a:bodyPr rtlCol="0" anchor="ctr"/>
+          <a:lstStyle/>
+          <a:p>
+            <a:pPr algn="ctr"/>
+            <a:endParaRPr lang="en-LU"/>
+          </a:p>
+        </p:txBody>
+      </p:sp>
+      <p:sp>
+        <p:nvSpPr>
+          <p:cNvPr id="29" name="TextBox 28">
+            <a:extLst>
+              <a:ext uri="{FF2B5EF4-FFF2-40B4-BE49-F238E27FC236}">
+                <a16:creationId xmlns:a16="http://schemas.microsoft.com/office/drawing/2014/main" id="{97BAF7A3-23C7-4BA5-412A-4A045DEF484B}"/>
+              </a:ext>
+            </a:extLst>
+          </p:cNvPr>
+          <p:cNvSpPr txBox="1"/>
+          <p:nvPr/>
+        </p:nvSpPr>
+        <p:spPr>
+          <a:xfrm>
+            <a:off x="1630700" y="5785116"/>
+            <a:ext cx="317716" cy="369332"/>
+          </a:xfrm>
+          <a:prstGeom prst="rect">
+            <a:avLst/>
+          </a:prstGeom>
+          <a:noFill/>
+        </p:spPr>
+        <p:txBody>
+          <a:bodyPr wrap="none" rtlCol="0">
+            <a:spAutoFit/>
+          </a:bodyPr>
+          <a:lstStyle/>
+          <a:p>
+            <a:r>
+              <a:rPr lang="en-LU" dirty="0"/>
+              <a:t>A</a:t>
+            </a:r>
+          </a:p>
+        </p:txBody>
+      </p:sp>
+      <p:sp>
+        <p:nvSpPr>
+          <p:cNvPr id="33" name="TextBox 32">
+            <a:extLst>
+              <a:ext uri="{FF2B5EF4-FFF2-40B4-BE49-F238E27FC236}">
+                <a16:creationId xmlns:a16="http://schemas.microsoft.com/office/drawing/2014/main" id="{6B0FD3F5-07EF-AED5-F2AE-85C983101EF3}"/>
+              </a:ext>
+            </a:extLst>
+          </p:cNvPr>
+          <p:cNvSpPr txBox="1"/>
+          <p:nvPr/>
+        </p:nvSpPr>
+        <p:spPr>
+          <a:xfrm>
+            <a:off x="4365709" y="5804598"/>
+            <a:ext cx="1991251" cy="369332"/>
+          </a:xfrm>
+          <a:prstGeom prst="rect">
+            <a:avLst/>
+          </a:prstGeom>
+          <a:noFill/>
+        </p:spPr>
+        <p:txBody>
+          <a:bodyPr wrap="none" rtlCol="0">
+            <a:spAutoFit/>
+          </a:bodyPr>
+          <a:lstStyle/>
+          <a:p>
+            <a:r>
+              <a:rPr lang="en-US" altLang="zh-CN" dirty="0"/>
+              <a:t>0.1   0.4    0.6    0.3</a:t>
+            </a:r>
+          </a:p>
+        </p:txBody>
+      </p:sp>
+      <p:sp>
+        <p:nvSpPr>
+          <p:cNvPr id="40" name="TextBox 39">
+            <a:extLst>
+              <a:ext uri="{FF2B5EF4-FFF2-40B4-BE49-F238E27FC236}">
+                <a16:creationId xmlns:a16="http://schemas.microsoft.com/office/drawing/2014/main" id="{FCD90B13-654D-7C22-D148-823D103B8DE6}"/>
+              </a:ext>
+            </a:extLst>
+          </p:cNvPr>
+          <p:cNvSpPr txBox="1"/>
+          <p:nvPr/>
+        </p:nvSpPr>
+        <p:spPr>
+          <a:xfrm>
+            <a:off x="1630700" y="5457957"/>
+            <a:ext cx="2477153" cy="369332"/>
+          </a:xfrm>
+          <a:prstGeom prst="rect">
+            <a:avLst/>
+          </a:prstGeom>
+          <a:noFill/>
+        </p:spPr>
+        <p:txBody>
+          <a:bodyPr wrap="none" rtlCol="0">
+            <a:spAutoFit/>
+          </a:bodyPr>
+          <a:lstStyle/>
+          <a:p>
+            <a:r>
+              <a:rPr lang="en-GB" dirty="0"/>
+              <a:t>Original m</a:t>
+            </a:r>
+            <a:r>
+              <a:rPr lang="en-LU" dirty="0"/>
+              <a:t>utation vector</a:t>
+            </a:r>
+          </a:p>
+        </p:txBody>
+      </p:sp>
+      <p:sp>
+        <p:nvSpPr>
+          <p:cNvPr id="41" name="TextBox 40">
+            <a:extLst>
+              <a:ext uri="{FF2B5EF4-FFF2-40B4-BE49-F238E27FC236}">
+                <a16:creationId xmlns:a16="http://schemas.microsoft.com/office/drawing/2014/main" id="{67E16D57-F1A0-9FAA-B4EA-9C61FF2B7FE2}"/>
+              </a:ext>
+            </a:extLst>
+          </p:cNvPr>
+          <p:cNvSpPr txBox="1"/>
+          <p:nvPr/>
+        </p:nvSpPr>
+        <p:spPr>
+          <a:xfrm>
+            <a:off x="4274820" y="5457957"/>
+            <a:ext cx="2173031" cy="369332"/>
+          </a:xfrm>
+          <a:prstGeom prst="rect">
+            <a:avLst/>
+          </a:prstGeom>
+          <a:noFill/>
+        </p:spPr>
+        <p:txBody>
+          <a:bodyPr wrap="none" rtlCol="0">
+            <a:spAutoFit/>
+          </a:bodyPr>
+          <a:lstStyle/>
+          <a:p>
+            <a:r>
+              <a:rPr lang="en-GB" dirty="0"/>
+              <a:t>New m</a:t>
+            </a:r>
+            <a:r>
+              <a:rPr lang="en-LU" dirty="0"/>
+              <a:t>utation vector</a:t>
+            </a:r>
+          </a:p>
+        </p:txBody>
+      </p:sp>
+      <p:sp>
+        <p:nvSpPr>
+          <p:cNvPr id="42" name="TextBox 41">
+            <a:extLst>
+              <a:ext uri="{FF2B5EF4-FFF2-40B4-BE49-F238E27FC236}">
+                <a16:creationId xmlns:a16="http://schemas.microsoft.com/office/drawing/2014/main" id="{215FAFAF-1C3B-9137-A303-FADFFF5EBEA9}"/>
+              </a:ext>
+            </a:extLst>
+          </p:cNvPr>
+          <p:cNvSpPr txBox="1"/>
+          <p:nvPr/>
+        </p:nvSpPr>
+        <p:spPr>
+          <a:xfrm>
+            <a:off x="3503479" y="6330750"/>
+            <a:ext cx="1022909" cy="369332"/>
+          </a:xfrm>
+          <a:prstGeom prst="rect">
+            <a:avLst/>
+          </a:prstGeom>
+          <a:noFill/>
+        </p:spPr>
+        <p:txBody>
+          <a:bodyPr wrap="none" rtlCol="0">
+            <a:spAutoFit/>
+          </a:bodyPr>
+          <a:lstStyle/>
+          <a:p>
+            <a:r>
+              <a:rPr lang="en-LU" dirty="0"/>
+              <a:t>LR_score</a:t>
+            </a:r>
+          </a:p>
+        </p:txBody>
+      </p:sp>
+      <p:sp>
+        <p:nvSpPr>
+          <p:cNvPr id="44" name="TextBox 43">
+            <a:extLst>
+              <a:ext uri="{FF2B5EF4-FFF2-40B4-BE49-F238E27FC236}">
+                <a16:creationId xmlns:a16="http://schemas.microsoft.com/office/drawing/2014/main" id="{9A5B6C21-9BFD-8037-A1C8-0235D8B5E2E5}"/>
+              </a:ext>
+            </a:extLst>
+          </p:cNvPr>
+          <p:cNvSpPr txBox="1"/>
+          <p:nvPr/>
+        </p:nvSpPr>
+        <p:spPr>
+          <a:xfrm>
+            <a:off x="4522435" y="6330750"/>
+            <a:ext cx="1070342" cy="369332"/>
+          </a:xfrm>
+          <a:prstGeom prst="rect">
+            <a:avLst/>
+          </a:prstGeom>
+          <a:noFill/>
+        </p:spPr>
+        <p:txBody>
+          <a:bodyPr wrap="square">
+            <a:spAutoFit/>
+          </a:bodyPr>
+          <a:lstStyle/>
+          <a:p>
+            <a:r>
+              <a:rPr lang="en-LU" dirty="0"/>
+              <a:t>RF_score </a:t>
+            </a:r>
+          </a:p>
+        </p:txBody>
+      </p:sp>
+      <p:sp>
+        <p:nvSpPr>
+          <p:cNvPr id="46" name="TextBox 45">
+            <a:extLst>
+              <a:ext uri="{FF2B5EF4-FFF2-40B4-BE49-F238E27FC236}">
+                <a16:creationId xmlns:a16="http://schemas.microsoft.com/office/drawing/2014/main" id="{6F663F35-6FFB-AC8D-58DC-A58168B4E8E4}"/>
+              </a:ext>
+            </a:extLst>
+          </p:cNvPr>
+          <p:cNvSpPr txBox="1"/>
+          <p:nvPr/>
+        </p:nvSpPr>
+        <p:spPr>
+          <a:xfrm>
+            <a:off x="5513752" y="6330750"/>
+            <a:ext cx="1281948" cy="369332"/>
+          </a:xfrm>
+          <a:prstGeom prst="rect">
+            <a:avLst/>
+          </a:prstGeom>
+          <a:noFill/>
+        </p:spPr>
+        <p:txBody>
+          <a:bodyPr wrap="square">
+            <a:spAutoFit/>
+          </a:bodyPr>
+          <a:lstStyle/>
+          <a:p>
+            <a:r>
+              <a:rPr lang="en-LU" dirty="0"/>
+              <a:t>XGB_score </a:t>
+            </a:r>
+          </a:p>
+        </p:txBody>
+      </p:sp>
+      <p:sp>
+        <p:nvSpPr>
+          <p:cNvPr id="48" name="TextBox 47">
+            <a:extLst>
+              <a:ext uri="{FF2B5EF4-FFF2-40B4-BE49-F238E27FC236}">
+                <a16:creationId xmlns:a16="http://schemas.microsoft.com/office/drawing/2014/main" id="{973088E8-7231-732E-1992-1628053B0A64}"/>
+              </a:ext>
+            </a:extLst>
+          </p:cNvPr>
+          <p:cNvSpPr txBox="1"/>
+          <p:nvPr/>
+        </p:nvSpPr>
+        <p:spPr>
+          <a:xfrm>
+            <a:off x="6706430" y="6361162"/>
+            <a:ext cx="1281948" cy="369332"/>
+          </a:xfrm>
+          <a:prstGeom prst="rect">
+            <a:avLst/>
+          </a:prstGeom>
+          <a:noFill/>
+        </p:spPr>
+        <p:txBody>
+          <a:bodyPr wrap="square">
+            <a:spAutoFit/>
+          </a:bodyPr>
+          <a:lstStyle/>
+          <a:p>
+            <a:r>
+              <a:rPr lang="en-LU" dirty="0"/>
+              <a:t>LGB_score </a:t>
+            </a:r>
+          </a:p>
+        </p:txBody>
+      </p:sp>
+      <p:cxnSp>
+        <p:nvCxnSpPr>
+          <p:cNvPr id="50" name="Straight Arrow Connector 49">
+            <a:extLst>
+              <a:ext uri="{FF2B5EF4-FFF2-40B4-BE49-F238E27FC236}">
+                <a16:creationId xmlns:a16="http://schemas.microsoft.com/office/drawing/2014/main" id="{72961027-03BE-9098-5181-C85B3D2F6388}"/>
+              </a:ext>
+            </a:extLst>
+          </p:cNvPr>
+          <p:cNvCxnSpPr>
+            <a:cxnSpLocks/>
+            <a:stCxn id="42" idx="0"/>
+          </p:cNvCxnSpPr>
+          <p:nvPr/>
+        </p:nvCxnSpPr>
+        <p:spPr>
+          <a:xfrm flipV="1">
+            <a:off x="4014934" y="6175243"/>
+            <a:ext cx="507501" cy="155507"/>
+          </a:xfrm>
+          <a:prstGeom prst="straightConnector1">
+            <a:avLst/>
+          </a:prstGeom>
+          <a:ln>
+            <a:tailEnd type="triangle"/>
+          </a:ln>
+        </p:spPr>
+        <p:style>
+          <a:lnRef idx="1">
+            <a:schemeClr val="dk1"/>
+          </a:lnRef>
+          <a:fillRef idx="0">
+            <a:schemeClr val="dk1"/>
+          </a:fillRef>
+          <a:effectRef idx="0">
+            <a:schemeClr val="dk1"/>
+          </a:effectRef>
+          <a:fontRef idx="minor">
+            <a:schemeClr val="tx1"/>
+          </a:fontRef>
+        </p:style>
+      </p:cxnSp>
+      <p:cxnSp>
+        <p:nvCxnSpPr>
+          <p:cNvPr id="52" name="Straight Arrow Connector 51">
+            <a:extLst>
+              <a:ext uri="{FF2B5EF4-FFF2-40B4-BE49-F238E27FC236}">
+                <a16:creationId xmlns:a16="http://schemas.microsoft.com/office/drawing/2014/main" id="{2BEE9108-37D1-BAFA-51CA-FEB8CC43BCC4}"/>
+              </a:ext>
+            </a:extLst>
+          </p:cNvPr>
+          <p:cNvCxnSpPr>
+            <a:cxnSpLocks/>
+          </p:cNvCxnSpPr>
+          <p:nvPr/>
+        </p:nvCxnSpPr>
+        <p:spPr>
+          <a:xfrm flipV="1">
+            <a:off x="5057606" y="6102405"/>
+            <a:ext cx="0" cy="323560"/>
+          </a:xfrm>
+          <a:prstGeom prst="straightConnector1">
+            <a:avLst/>
+          </a:prstGeom>
+          <a:ln>
+            <a:tailEnd type="triangle"/>
+          </a:ln>
+        </p:spPr>
+        <p:style>
+          <a:lnRef idx="1">
+            <a:schemeClr val="dk1"/>
+          </a:lnRef>
+          <a:fillRef idx="0">
+            <a:schemeClr val="dk1"/>
+          </a:fillRef>
+          <a:effectRef idx="0">
+            <a:schemeClr val="dk1"/>
+          </a:effectRef>
+          <a:fontRef idx="minor">
+            <a:schemeClr val="tx1"/>
+          </a:fontRef>
+        </p:style>
+      </p:cxnSp>
+      <p:cxnSp>
+        <p:nvCxnSpPr>
+          <p:cNvPr id="56" name="Straight Arrow Connector 55">
+            <a:extLst>
+              <a:ext uri="{FF2B5EF4-FFF2-40B4-BE49-F238E27FC236}">
+                <a16:creationId xmlns:a16="http://schemas.microsoft.com/office/drawing/2014/main" id="{3829B490-3B23-3918-1362-92433693F251}"/>
+              </a:ext>
+            </a:extLst>
+          </p:cNvPr>
+          <p:cNvCxnSpPr>
+            <a:cxnSpLocks/>
+          </p:cNvCxnSpPr>
+          <p:nvPr/>
+        </p:nvCxnSpPr>
+        <p:spPr>
+          <a:xfrm flipH="1" flipV="1">
+            <a:off x="5508178" y="6125597"/>
+            <a:ext cx="266457" cy="300368"/>
+          </a:xfrm>
+          <a:prstGeom prst="straightConnector1">
+            <a:avLst/>
+          </a:prstGeom>
+          <a:ln>
+            <a:tailEnd type="triangle"/>
+          </a:ln>
+        </p:spPr>
+        <p:style>
+          <a:lnRef idx="1">
+            <a:schemeClr val="dk1"/>
+          </a:lnRef>
+          <a:fillRef idx="0">
+            <a:schemeClr val="dk1"/>
+          </a:fillRef>
+          <a:effectRef idx="0">
+            <a:schemeClr val="dk1"/>
+          </a:effectRef>
+          <a:fontRef idx="minor">
+            <a:schemeClr val="tx1"/>
+          </a:fontRef>
+        </p:style>
+      </p:cxnSp>
+      <p:cxnSp>
+        <p:nvCxnSpPr>
+          <p:cNvPr id="58" name="Straight Arrow Connector 57">
+            <a:extLst>
+              <a:ext uri="{FF2B5EF4-FFF2-40B4-BE49-F238E27FC236}">
+                <a16:creationId xmlns:a16="http://schemas.microsoft.com/office/drawing/2014/main" id="{AC127608-7668-F48B-A4C1-87152ED35A45}"/>
+              </a:ext>
+            </a:extLst>
+          </p:cNvPr>
+          <p:cNvCxnSpPr>
+            <a:cxnSpLocks/>
+          </p:cNvCxnSpPr>
+          <p:nvPr/>
+        </p:nvCxnSpPr>
+        <p:spPr>
+          <a:xfrm flipH="1" flipV="1">
+            <a:off x="6175511" y="6113959"/>
+            <a:ext cx="620189" cy="312006"/>
+          </a:xfrm>
+          <a:prstGeom prst="straightConnector1">
+            <a:avLst/>
+          </a:prstGeom>
+          <a:ln>
+            <a:tailEnd type="triangle"/>
+          </a:ln>
+        </p:spPr>
+        <p:style>
+          <a:lnRef idx="1">
+            <a:schemeClr val="dk1"/>
+          </a:lnRef>
+          <a:fillRef idx="0">
+            <a:schemeClr val="dk1"/>
+          </a:fillRef>
+          <a:effectRef idx="0">
+            <a:schemeClr val="dk1"/>
+          </a:effectRef>
+          <a:fontRef idx="minor">
+            <a:schemeClr val="tx1"/>
+          </a:fontRef>
+        </p:style>
+      </p:cxnSp>
+      <p:sp>
+        <p:nvSpPr>
+          <p:cNvPr id="60" name="Right Arrow 59">
+            <a:extLst>
+              <a:ext uri="{FF2B5EF4-FFF2-40B4-BE49-F238E27FC236}">
+                <a16:creationId xmlns:a16="http://schemas.microsoft.com/office/drawing/2014/main" id="{91915D75-EDCB-CE0F-152E-5377884372E4}"/>
+              </a:ext>
+            </a:extLst>
+          </p:cNvPr>
+          <p:cNvSpPr/>
+          <p:nvPr/>
+        </p:nvSpPr>
+        <p:spPr>
+          <a:xfrm>
+            <a:off x="3811173" y="5897719"/>
+            <a:ext cx="231592" cy="144126"/>
+          </a:xfrm>
+          <a:prstGeom prst="rightArrow">
+            <a:avLst/>
+          </a:prstGeom>
+        </p:spPr>
+        <p:style>
+          <a:lnRef idx="2">
+            <a:schemeClr val="accent1">
+              <a:shade val="50000"/>
+            </a:schemeClr>
+          </a:lnRef>
+          <a:fillRef idx="1">
+            <a:schemeClr val="accent1"/>
+          </a:fillRef>
+          <a:effectRef idx="0">
+            <a:schemeClr val="accent1"/>
+          </a:effectRef>
+          <a:fontRef idx="minor">
+            <a:schemeClr val="lt1"/>
+          </a:fontRef>
+        </p:style>
+        <p:txBody>
+          <a:bodyPr rtlCol="0" anchor="ctr"/>
+          <a:lstStyle/>
+          <a:p>
+            <a:pPr algn="ctr"/>
+            <a:endParaRPr lang="en-LU"/>
+          </a:p>
+        </p:txBody>
+      </p:sp>
+      <p:sp>
+        <p:nvSpPr>
+          <p:cNvPr id="61" name="Right Arrow 60">
+            <a:extLst>
+              <a:ext uri="{FF2B5EF4-FFF2-40B4-BE49-F238E27FC236}">
+                <a16:creationId xmlns:a16="http://schemas.microsoft.com/office/drawing/2014/main" id="{61A689C9-9E1A-89FC-2421-A0E5B390ADAF}"/>
+              </a:ext>
+            </a:extLst>
+          </p:cNvPr>
+          <p:cNvSpPr/>
+          <p:nvPr/>
+        </p:nvSpPr>
+        <p:spPr>
+          <a:xfrm>
+            <a:off x="6558418" y="5933501"/>
+            <a:ext cx="231592" cy="144126"/>
+          </a:xfrm>
+          <a:prstGeom prst="rightArrow">
+            <a:avLst/>
+          </a:prstGeom>
+        </p:spPr>
+        <p:style>
+          <a:lnRef idx="2">
+            <a:schemeClr val="accent1">
+              <a:shade val="50000"/>
+            </a:schemeClr>
+          </a:lnRef>
+          <a:fillRef idx="1">
+            <a:schemeClr val="accent1"/>
+          </a:fillRef>
+          <a:effectRef idx="0">
+            <a:schemeClr val="accent1"/>
+          </a:effectRef>
+          <a:fontRef idx="minor">
+            <a:schemeClr val="lt1"/>
+          </a:fontRef>
+        </p:style>
+        <p:txBody>
+          <a:bodyPr rtlCol="0" anchor="ctr"/>
+          <a:lstStyle/>
+          <a:p>
+            <a:pPr algn="ctr"/>
+            <a:endParaRPr lang="en-LU"/>
+          </a:p>
+        </p:txBody>
+      </p:sp>
+      <p:sp>
+        <p:nvSpPr>
+          <p:cNvPr id="62" name="TextBox 61">
+            <a:extLst>
+              <a:ext uri="{FF2B5EF4-FFF2-40B4-BE49-F238E27FC236}">
+                <a16:creationId xmlns:a16="http://schemas.microsoft.com/office/drawing/2014/main" id="{E7984609-4884-A47B-1278-0F6EE0F6E41D}"/>
+              </a:ext>
+            </a:extLst>
+          </p:cNvPr>
+          <p:cNvSpPr txBox="1"/>
+          <p:nvPr/>
+        </p:nvSpPr>
+        <p:spPr>
+          <a:xfrm>
+            <a:off x="6826582" y="5847612"/>
+            <a:ext cx="1128835" cy="369332"/>
+          </a:xfrm>
+          <a:prstGeom prst="rect">
+            <a:avLst/>
+          </a:prstGeom>
+          <a:noFill/>
+        </p:spPr>
+        <p:txBody>
+          <a:bodyPr wrap="none" rtlCol="0">
+            <a:spAutoFit/>
+          </a:bodyPr>
+          <a:lstStyle/>
+          <a:p>
+            <a:r>
+              <a:rPr lang="en-GB" dirty="0"/>
+              <a:t>M</a:t>
+            </a:r>
+            <a:r>
+              <a:rPr lang="en-LU" dirty="0"/>
+              <a:t>L model</a:t>
+            </a:r>
+          </a:p>
+        </p:txBody>
+      </p:sp>
+      <p:sp>
+        <p:nvSpPr>
+          <p:cNvPr id="63" name="Right Arrow 62">
+            <a:extLst>
+              <a:ext uri="{FF2B5EF4-FFF2-40B4-BE49-F238E27FC236}">
+                <a16:creationId xmlns:a16="http://schemas.microsoft.com/office/drawing/2014/main" id="{7A247DD9-B500-CA99-9700-E2C076025D3D}"/>
+              </a:ext>
+            </a:extLst>
+          </p:cNvPr>
+          <p:cNvSpPr/>
+          <p:nvPr/>
+        </p:nvSpPr>
+        <p:spPr>
+          <a:xfrm>
+            <a:off x="8006538" y="5958279"/>
+            <a:ext cx="231592" cy="144126"/>
+          </a:xfrm>
+          <a:prstGeom prst="rightArrow">
+            <a:avLst/>
+          </a:prstGeom>
+        </p:spPr>
+        <p:style>
+          <a:lnRef idx="2">
+            <a:schemeClr val="accent1">
+              <a:shade val="50000"/>
+            </a:schemeClr>
+          </a:lnRef>
+          <a:fillRef idx="1">
+            <a:schemeClr val="accent1"/>
+          </a:fillRef>
+          <a:effectRef idx="0">
+            <a:schemeClr val="accent1"/>
+          </a:effectRef>
+          <a:fontRef idx="minor">
+            <a:schemeClr val="lt1"/>
+          </a:fontRef>
+        </p:style>
+        <p:txBody>
+          <a:bodyPr rtlCol="0" anchor="ctr"/>
+          <a:lstStyle/>
+          <a:p>
+            <a:pPr algn="ctr"/>
+            <a:endParaRPr lang="en-LU"/>
+          </a:p>
+        </p:txBody>
+      </p:sp>
+      <p:sp>
+        <p:nvSpPr>
+          <p:cNvPr id="65" name="TextBox 64">
+            <a:extLst>
+              <a:ext uri="{FF2B5EF4-FFF2-40B4-BE49-F238E27FC236}">
+                <a16:creationId xmlns:a16="http://schemas.microsoft.com/office/drawing/2014/main" id="{8DD1C6B0-7856-BE91-31B7-15E5B98426DC}"/>
+              </a:ext>
+            </a:extLst>
+          </p:cNvPr>
+          <p:cNvSpPr txBox="1"/>
+          <p:nvPr/>
+        </p:nvSpPr>
+        <p:spPr>
+          <a:xfrm>
+            <a:off x="8297624" y="5827289"/>
+            <a:ext cx="1393028" cy="369332"/>
+          </a:xfrm>
+          <a:prstGeom prst="rect">
+            <a:avLst/>
+          </a:prstGeom>
+          <a:noFill/>
+        </p:spPr>
+        <p:txBody>
+          <a:bodyPr wrap="square">
+            <a:spAutoFit/>
+          </a:bodyPr>
+          <a:lstStyle/>
+          <a:p>
+            <a:r>
+              <a:rPr lang="en-LU" dirty="0"/>
+              <a:t>Node_score</a:t>
+            </a:r>
+          </a:p>
+        </p:txBody>
+      </p:sp>
+      <p:sp>
+        <p:nvSpPr>
+          <p:cNvPr id="67" name="TextBox 66">
+            <a:extLst>
+              <a:ext uri="{FF2B5EF4-FFF2-40B4-BE49-F238E27FC236}">
+                <a16:creationId xmlns:a16="http://schemas.microsoft.com/office/drawing/2014/main" id="{ACE851E9-F491-0A78-3BB5-6459C131BF65}"/>
+              </a:ext>
+            </a:extLst>
+          </p:cNvPr>
+          <p:cNvSpPr txBox="1"/>
+          <p:nvPr/>
+        </p:nvSpPr>
+        <p:spPr>
+          <a:xfrm>
+            <a:off x="2869276" y="283232"/>
+            <a:ext cx="7030098" cy="369332"/>
+          </a:xfrm>
+          <a:prstGeom prst="rect">
+            <a:avLst/>
+          </a:prstGeom>
+          <a:noFill/>
+        </p:spPr>
+        <p:txBody>
+          <a:bodyPr wrap="square">
+            <a:spAutoFit/>
+          </a:bodyPr>
+          <a:lstStyle/>
+          <a:p>
+            <a:r>
+              <a:rPr lang="en-LU" b="1" dirty="0">
+                <a:solidFill>
+                  <a:schemeClr val="accent1"/>
+                </a:solidFill>
+              </a:rPr>
+              <a:t>All nodes are sorted according to the score from large to small.</a:t>
+            </a:r>
+          </a:p>
+        </p:txBody>
+      </p:sp>
+    </p:spTree>
+    <p:extLst>
+      <p:ext uri="{BB962C8B-B14F-4D97-AF65-F5344CB8AC3E}">
+        <p14:creationId xmlns:p14="http://schemas.microsoft.com/office/powerpoint/2010/main" val="2526834820"/>
+      </p:ext>
+    </p:extLst>
+  </p:cSld>
+  <p:clrMapOvr>
+    <a:masterClrMapping/>
+  </p:clrMapOvr>
+</p:sld>
+</file>
+
+<file path=ppt/slides/slide11.xml><?xml version="1.0" encoding="utf-8"?>
+<p:sld xmlns:a="http://schemas.openxmlformats.org/drawingml/2006/main" xmlns:r="http://schemas.openxmlformats.org/officeDocument/2006/relationships" xmlns:p="http://schemas.openxmlformats.org/presentationml/2006/main">
+  <p:cSld>
+    <p:spTree>
+      <p:nvGrpSpPr>
+        <p:cNvPr id="1" name=""/>
+        <p:cNvGrpSpPr/>
+        <p:nvPr/>
+      </p:nvGrpSpPr>
+      <p:grpSpPr>
+        <a:xfrm>
+          <a:off x="0" y="0"/>
+          <a:ext cx="0" cy="0"/>
+          <a:chOff x="0" y="0"/>
+          <a:chExt cx="0" cy="0"/>
+        </a:xfrm>
+      </p:grpSpPr>
+      <p:sp>
+        <p:nvSpPr>
+          <p:cNvPr id="4" name="TextBox 3">
+            <a:extLst>
+              <a:ext uri="{FF2B5EF4-FFF2-40B4-BE49-F238E27FC236}">
+                <a16:creationId xmlns:a16="http://schemas.microsoft.com/office/drawing/2014/main" id="{44A9E0D5-CAB6-A9FF-10FE-448641E7B9B4}"/>
+              </a:ext>
+            </a:extLst>
+          </p:cNvPr>
+          <p:cNvSpPr txBox="1"/>
+          <p:nvPr/>
+        </p:nvSpPr>
+        <p:spPr>
+          <a:xfrm>
+            <a:off x="753176" y="735717"/>
+            <a:ext cx="8867274" cy="461665"/>
+          </a:xfrm>
+          <a:prstGeom prst="rect">
+            <a:avLst/>
+          </a:prstGeom>
+          <a:noFill/>
+        </p:spPr>
+        <p:txBody>
+          <a:bodyPr wrap="square">
+            <a:spAutoFit/>
+          </a:bodyPr>
+          <a:lstStyle/>
+          <a:p>
+            <a:r>
+              <a:rPr lang="en-LU" sz="2400" b="1" dirty="0"/>
+              <a:t>RQ3: Influence of Ensemble Learning Methods</a:t>
+            </a:r>
+          </a:p>
+        </p:txBody>
+      </p:sp>
+      <p:pic>
+        <p:nvPicPr>
+          <p:cNvPr id="5" name="Picture 4">
+            <a:extLst>
+              <a:ext uri="{FF2B5EF4-FFF2-40B4-BE49-F238E27FC236}">
+                <a16:creationId xmlns:a16="http://schemas.microsoft.com/office/drawing/2014/main" id="{F4A7F076-E867-4B05-A1E9-95119BE85716}"/>
+              </a:ext>
+            </a:extLst>
+          </p:cNvPr>
+          <p:cNvPicPr>
+            <a:picLocks noChangeAspect="1"/>
+          </p:cNvPicPr>
+          <p:nvPr/>
+        </p:nvPicPr>
+        <p:blipFill>
+          <a:blip r:embed="rId2"/>
+          <a:stretch>
+            <a:fillRect/>
+          </a:stretch>
+        </p:blipFill>
+        <p:spPr>
+          <a:xfrm>
+            <a:off x="998814" y="1287650"/>
+            <a:ext cx="10015467" cy="2598550"/>
+          </a:xfrm>
+          <a:prstGeom prst="rect">
+            <a:avLst/>
+          </a:prstGeom>
+        </p:spPr>
+      </p:pic>
+      <p:sp>
+        <p:nvSpPr>
+          <p:cNvPr id="7" name="TextBox 6">
+            <a:extLst>
+              <a:ext uri="{FF2B5EF4-FFF2-40B4-BE49-F238E27FC236}">
+                <a16:creationId xmlns:a16="http://schemas.microsoft.com/office/drawing/2014/main" id="{1282FD3D-3427-044C-838B-58DFF36BC61A}"/>
+              </a:ext>
+            </a:extLst>
+          </p:cNvPr>
+          <p:cNvSpPr txBox="1"/>
+          <p:nvPr/>
+        </p:nvSpPr>
+        <p:spPr>
+          <a:xfrm>
+            <a:off x="2422662" y="4417800"/>
+            <a:ext cx="7566163" cy="369332"/>
+          </a:xfrm>
+          <a:prstGeom prst="rect">
+            <a:avLst/>
+          </a:prstGeom>
+          <a:noFill/>
+        </p:spPr>
+        <p:txBody>
+          <a:bodyPr wrap="square">
+            <a:spAutoFit/>
+          </a:bodyPr>
+          <a:lstStyle/>
+          <a:p>
+            <a:r>
+              <a:rPr lang="en-LU" b="1" dirty="0">
+                <a:latin typeface="Times New Roman" panose="02020603050405020304" pitchFamily="18" charset="0"/>
+                <a:cs typeface="Times New Roman" panose="02020603050405020304" pitchFamily="18" charset="0"/>
+              </a:rPr>
+              <a:t>NodeRank_𝑊 and NodeRank_𝑀 perform the best in terms of APFD.</a:t>
+            </a:r>
+          </a:p>
+        </p:txBody>
+      </p:sp>
+    </p:spTree>
+    <p:extLst>
+      <p:ext uri="{BB962C8B-B14F-4D97-AF65-F5344CB8AC3E}">
+        <p14:creationId xmlns:p14="http://schemas.microsoft.com/office/powerpoint/2010/main" val="376359068"/>
+      </p:ext>
+    </p:extLst>
+  </p:cSld>
+  <p:clrMapOvr>
+    <a:masterClrMapping/>
+  </p:clrMapOvr>
+</p:sld>
+</file>
+
+<file path=ppt/slides/slide12.xml><?xml version="1.0" encoding="utf-8"?>
+<p:sld xmlns:a="http://schemas.openxmlformats.org/drawingml/2006/main" xmlns:r="http://schemas.openxmlformats.org/officeDocument/2006/relationships" xmlns:p="http://schemas.openxmlformats.org/presentationml/2006/main">
+  <p:cSld>
+    <p:spTree>
+      <p:nvGrpSpPr>
+        <p:cNvPr id="1" name=""/>
+        <p:cNvGrpSpPr/>
+        <p:nvPr/>
+      </p:nvGrpSpPr>
+      <p:grpSpPr>
+        <a:xfrm>
+          <a:off x="0" y="0"/>
+          <a:ext cx="0" cy="0"/>
+          <a:chOff x="0" y="0"/>
+          <a:chExt cx="0" cy="0"/>
+        </a:xfrm>
+      </p:grpSpPr>
+      <p:sp>
+        <p:nvSpPr>
+          <p:cNvPr id="5" name="TextBox 4">
+            <a:extLst>
+              <a:ext uri="{FF2B5EF4-FFF2-40B4-BE49-F238E27FC236}">
+                <a16:creationId xmlns:a16="http://schemas.microsoft.com/office/drawing/2014/main" id="{93D72707-0EAB-881D-1C1E-18C78D480D6A}"/>
+              </a:ext>
+            </a:extLst>
+          </p:cNvPr>
+          <p:cNvSpPr txBox="1"/>
+          <p:nvPr/>
+        </p:nvSpPr>
+        <p:spPr>
+          <a:xfrm>
+            <a:off x="827532" y="865555"/>
+            <a:ext cx="8444484" cy="461665"/>
+          </a:xfrm>
+          <a:prstGeom prst="rect">
+            <a:avLst/>
+          </a:prstGeom>
+          <a:noFill/>
+        </p:spPr>
+        <p:txBody>
+          <a:bodyPr wrap="square">
+            <a:spAutoFit/>
+          </a:bodyPr>
+          <a:lstStyle/>
+          <a:p>
+            <a:r>
+              <a:rPr lang="en-LU" sz="2400" b="1" dirty="0"/>
+              <a:t>RQ4: Contributions of each type of mutation rules to NodeRank</a:t>
+            </a:r>
+          </a:p>
+        </p:txBody>
+      </p:sp>
+      <p:pic>
+        <p:nvPicPr>
+          <p:cNvPr id="6" name="Picture 5">
+            <a:extLst>
+              <a:ext uri="{FF2B5EF4-FFF2-40B4-BE49-F238E27FC236}">
+                <a16:creationId xmlns:a16="http://schemas.microsoft.com/office/drawing/2014/main" id="{BE303288-4B70-610F-F144-56B1AA282295}"/>
+              </a:ext>
+            </a:extLst>
+          </p:cNvPr>
+          <p:cNvPicPr>
+            <a:picLocks noChangeAspect="1"/>
+          </p:cNvPicPr>
+          <p:nvPr/>
+        </p:nvPicPr>
+        <p:blipFill>
+          <a:blip r:embed="rId2"/>
+          <a:stretch>
+            <a:fillRect/>
+          </a:stretch>
+        </p:blipFill>
+        <p:spPr>
+          <a:xfrm>
+            <a:off x="707038" y="2184722"/>
+            <a:ext cx="10613331" cy="2149534"/>
+          </a:xfrm>
+          <a:prstGeom prst="rect">
+            <a:avLst/>
+          </a:prstGeom>
+        </p:spPr>
+      </p:pic>
+      <p:sp>
+        <p:nvSpPr>
+          <p:cNvPr id="8" name="TextBox 7">
+            <a:extLst>
+              <a:ext uri="{FF2B5EF4-FFF2-40B4-BE49-F238E27FC236}">
+                <a16:creationId xmlns:a16="http://schemas.microsoft.com/office/drawing/2014/main" id="{72F8A80C-F59D-00F7-8B39-77D0E2F884B0}"/>
+              </a:ext>
+            </a:extLst>
+          </p:cNvPr>
+          <p:cNvSpPr txBox="1"/>
+          <p:nvPr/>
+        </p:nvSpPr>
+        <p:spPr>
+          <a:xfrm>
+            <a:off x="2591627" y="4735852"/>
+            <a:ext cx="7456833" cy="646331"/>
+          </a:xfrm>
+          <a:prstGeom prst="rect">
+            <a:avLst/>
+          </a:prstGeom>
+          <a:noFill/>
+        </p:spPr>
+        <p:txBody>
+          <a:bodyPr wrap="square">
+            <a:spAutoFit/>
+          </a:bodyPr>
+          <a:lstStyle/>
+          <a:p>
+            <a:r>
+              <a:rPr lang="en-LU" b="1" dirty="0">
+                <a:latin typeface="Times New Roman" panose="02020603050405020304" pitchFamily="18" charset="0"/>
+                <a:cs typeface="Times New Roman" panose="02020603050405020304" pitchFamily="18" charset="0"/>
+              </a:rPr>
+              <a:t>On natural and adversarial datasets, all the</a:t>
+            </a:r>
+          </a:p>
+          <a:p>
+            <a:r>
+              <a:rPr lang="en-LU" b="1" dirty="0">
+                <a:latin typeface="Times New Roman" panose="02020603050405020304" pitchFamily="18" charset="0"/>
+                <a:cs typeface="Times New Roman" panose="02020603050405020304" pitchFamily="18" charset="0"/>
+              </a:rPr>
+              <a:t>three categories of mutation features contribute to NodeRank</a:t>
+            </a:r>
+          </a:p>
+        </p:txBody>
+      </p:sp>
+    </p:spTree>
+    <p:extLst>
+      <p:ext uri="{BB962C8B-B14F-4D97-AF65-F5344CB8AC3E}">
+        <p14:creationId xmlns:p14="http://schemas.microsoft.com/office/powerpoint/2010/main" val="3971915101"/>
+      </p:ext>
+    </p:extLst>
+  </p:cSld>
+  <p:clrMapOvr>
+    <a:masterClrMapping/>
+  </p:clrMapOvr>
+</p:sld>
+</file>
+
+<file path=ppt/slides/slide13.xml><?xml version="1.0" encoding="utf-8"?>
+<p:sld xmlns:a="http://schemas.openxmlformats.org/drawingml/2006/main" xmlns:r="http://schemas.openxmlformats.org/officeDocument/2006/relationships" xmlns:p="http://schemas.openxmlformats.org/presentationml/2006/main">
+  <p:cSld>
+    <p:spTree>
+      <p:nvGrpSpPr>
+        <p:cNvPr id="1" name=""/>
+        <p:cNvGrpSpPr/>
+        <p:nvPr/>
+      </p:nvGrpSpPr>
+      <p:grpSpPr>
+        <a:xfrm>
+          <a:off x="0" y="0"/>
+          <a:ext cx="0" cy="0"/>
+          <a:chOff x="0" y="0"/>
+          <a:chExt cx="0" cy="0"/>
+        </a:xfrm>
+      </p:grpSpPr>
+      <p:sp>
+        <p:nvSpPr>
           <p:cNvPr id="4" name="Oval 3">
             <a:extLst>
               <a:ext uri="{FF2B5EF4-FFF2-40B4-BE49-F238E27FC236}">
@@ -3915,7 +5544,7 @@
         </p:nvCxnSpPr>
         <p:spPr>
           <a:xfrm>
-            <a:off x="1546920" y="1763073"/>
+            <a:off x="1411448" y="1763073"/>
             <a:ext cx="1137665" cy="0"/>
           </a:xfrm>
           <a:prstGeom prst="straightConnector1">
@@ -3954,7 +5583,7 @@
         </p:nvSpPr>
         <p:spPr>
           <a:xfrm>
-            <a:off x="1411041" y="1254950"/>
+            <a:off x="1284036" y="1254950"/>
             <a:ext cx="1462935" cy="523220"/>
           </a:xfrm>
           <a:prstGeom prst="rect">
@@ -4253,7 +5882,7 @@
         </p:nvCxnSpPr>
         <p:spPr>
           <a:xfrm>
-            <a:off x="1553016" y="2875593"/>
+            <a:off x="1417544" y="2875593"/>
             <a:ext cx="1137665" cy="0"/>
           </a:xfrm>
           <a:prstGeom prst="straightConnector1">
@@ -4292,7 +5921,7 @@
         </p:nvSpPr>
         <p:spPr>
           <a:xfrm>
-            <a:off x="1424952" y="2367470"/>
+            <a:off x="1297947" y="2367470"/>
             <a:ext cx="1462935" cy="523220"/>
           </a:xfrm>
           <a:prstGeom prst="rect">
@@ -4506,7 +6135,7 @@
         </p:nvCxnSpPr>
         <p:spPr>
           <a:xfrm>
-            <a:off x="1559112" y="4042977"/>
+            <a:off x="1423640" y="4042977"/>
             <a:ext cx="1137665" cy="0"/>
           </a:xfrm>
           <a:prstGeom prst="straightConnector1">
@@ -4545,7 +6174,7 @@
         </p:nvSpPr>
         <p:spPr>
           <a:xfrm>
-            <a:off x="1421676" y="3534854"/>
+            <a:off x="1294671" y="3534854"/>
             <a:ext cx="1462935" cy="523220"/>
           </a:xfrm>
           <a:prstGeom prst="rect">
@@ -5307,8 +6936,8 @@
         </p:nvSpPr>
         <p:spPr>
           <a:xfrm>
-            <a:off x="5609132" y="4253876"/>
-            <a:ext cx="3160737" cy="307777"/>
+            <a:off x="6006225" y="4222530"/>
+            <a:ext cx="2053191" cy="523220"/>
           </a:xfrm>
           <a:prstGeom prst="rect">
             <a:avLst/>
@@ -5321,9 +6950,17 @@
           </a:bodyPr>
           <a:lstStyle/>
           <a:p>
+            <a:pPr algn="ctr"/>
             <a:r>
               <a:rPr lang="en-US" altLang="zh-CN" sz="1400" dirty="0"/>
-              <a:t>Feature vector of test set (to be labelled)</a:t>
+              <a:t>Feature vector of test set </a:t>
+            </a:r>
+          </a:p>
+          <a:p>
+            <a:pPr algn="ctr"/>
+            <a:r>
+              <a:rPr lang="en-US" altLang="zh-CN" sz="1400" dirty="0"/>
+              <a:t>(to be labelled)</a:t>
             </a:r>
           </a:p>
         </p:txBody>
@@ -5600,8 +7237,8 @@
         </p:nvSpPr>
         <p:spPr>
           <a:xfrm>
-            <a:off x="5427658" y="1014064"/>
-            <a:ext cx="3749744" cy="307777"/>
+            <a:off x="5863430" y="895484"/>
+            <a:ext cx="2338782" cy="523220"/>
           </a:xfrm>
           <a:prstGeom prst="rect">
             <a:avLst/>
@@ -5614,9 +7251,17 @@
           </a:bodyPr>
           <a:lstStyle/>
           <a:p>
+            <a:pPr algn="ctr"/>
             <a:r>
               <a:rPr lang="en-US" sz="1400" dirty="0"/>
-              <a:t>Feature vector of training set (with ground truth)</a:t>
+              <a:t>Feature vector of training set </a:t>
+            </a:r>
+          </a:p>
+          <a:p>
+            <a:pPr algn="ctr"/>
+            <a:r>
+              <a:rPr lang="en-US" sz="1400" dirty="0"/>
+              <a:t>(with ground truth)</a:t>
             </a:r>
             <a:endParaRPr lang="en-LU" sz="1400" dirty="0"/>
           </a:p>
@@ -6397,6 +8042,966 @@
               <a:rPr lang="en-LU" sz="1400" dirty="0"/>
               <a:t>Learning to rank</a:t>
             </a:r>
+          </a:p>
+        </p:txBody>
+      </p:sp>
+      <p:sp>
+        <p:nvSpPr>
+          <p:cNvPr id="3" name="Rectangle 2">
+            <a:extLst>
+              <a:ext uri="{FF2B5EF4-FFF2-40B4-BE49-F238E27FC236}">
+                <a16:creationId xmlns:a16="http://schemas.microsoft.com/office/drawing/2014/main" id="{02439D92-F819-CF39-D397-E3C02A19E72A}"/>
+              </a:ext>
+            </a:extLst>
+          </p:cNvPr>
+          <p:cNvSpPr/>
+          <p:nvPr/>
+        </p:nvSpPr>
+        <p:spPr>
+          <a:xfrm>
+            <a:off x="164857" y="895483"/>
+            <a:ext cx="2468347" cy="3850257"/>
+          </a:xfrm>
+          <a:prstGeom prst="rect">
+            <a:avLst/>
+          </a:prstGeom>
+          <a:noFill/>
+          <a:ln>
+            <a:solidFill>
+              <a:schemeClr val="bg1">
+                <a:lumMod val="50000"/>
+              </a:schemeClr>
+            </a:solidFill>
+            <a:prstDash val="dash"/>
+          </a:ln>
+        </p:spPr>
+        <p:style>
+          <a:lnRef idx="2">
+            <a:schemeClr val="accent6"/>
+          </a:lnRef>
+          <a:fillRef idx="1">
+            <a:schemeClr val="lt1"/>
+          </a:fillRef>
+          <a:effectRef idx="0">
+            <a:schemeClr val="accent6"/>
+          </a:effectRef>
+          <a:fontRef idx="minor">
+            <a:schemeClr val="dk1"/>
+          </a:fontRef>
+        </p:style>
+        <p:txBody>
+          <a:bodyPr rtlCol="0" anchor="ctr"/>
+          <a:lstStyle/>
+          <a:p>
+            <a:pPr algn="ctr"/>
+            <a:endParaRPr lang="en-LU" dirty="0"/>
+          </a:p>
+        </p:txBody>
+      </p:sp>
+      <p:sp>
+        <p:nvSpPr>
+          <p:cNvPr id="9" name="TextBox 8">
+            <a:extLst>
+              <a:ext uri="{FF2B5EF4-FFF2-40B4-BE49-F238E27FC236}">
+                <a16:creationId xmlns:a16="http://schemas.microsoft.com/office/drawing/2014/main" id="{F3FE9A73-BF2F-4F8D-F2B7-4C1A09EB1CDA}"/>
+              </a:ext>
+            </a:extLst>
+          </p:cNvPr>
+          <p:cNvSpPr txBox="1"/>
+          <p:nvPr/>
+        </p:nvSpPr>
+        <p:spPr>
+          <a:xfrm>
+            <a:off x="3731491" y="979055"/>
+            <a:ext cx="184731" cy="369332"/>
+          </a:xfrm>
+          <a:prstGeom prst="rect">
+            <a:avLst/>
+          </a:prstGeom>
+          <a:noFill/>
+          <a:ln>
+            <a:solidFill>
+              <a:schemeClr val="tx1">
+                <a:alpha val="0"/>
+              </a:schemeClr>
+            </a:solidFill>
+          </a:ln>
+        </p:spPr>
+        <p:txBody>
+          <a:bodyPr wrap="none" rtlCol="0">
+            <a:spAutoFit/>
+          </a:bodyPr>
+          <a:lstStyle/>
+          <a:p>
+            <a:endParaRPr lang="en-LU" dirty="0"/>
+          </a:p>
+        </p:txBody>
+      </p:sp>
+      <p:cxnSp>
+        <p:nvCxnSpPr>
+          <p:cNvPr id="18" name="Straight Connector 17">
+            <a:extLst>
+              <a:ext uri="{FF2B5EF4-FFF2-40B4-BE49-F238E27FC236}">
+                <a16:creationId xmlns:a16="http://schemas.microsoft.com/office/drawing/2014/main" id="{75636B56-1151-D3F5-5D95-B250364621F8}"/>
+              </a:ext>
+            </a:extLst>
+          </p:cNvPr>
+          <p:cNvCxnSpPr>
+            <a:cxnSpLocks/>
+          </p:cNvCxnSpPr>
+          <p:nvPr/>
+        </p:nvCxnSpPr>
+        <p:spPr>
+          <a:xfrm>
+            <a:off x="2683669" y="895484"/>
+            <a:ext cx="0" cy="3850256"/>
+          </a:xfrm>
+          <a:prstGeom prst="line">
+            <a:avLst/>
+          </a:prstGeom>
+          <a:ln w="12700">
+            <a:solidFill>
+              <a:schemeClr val="bg1">
+                <a:lumMod val="50000"/>
+              </a:schemeClr>
+            </a:solidFill>
+            <a:prstDash val="dash"/>
+          </a:ln>
+        </p:spPr>
+        <p:style>
+          <a:lnRef idx="1">
+            <a:schemeClr val="accent1"/>
+          </a:lnRef>
+          <a:fillRef idx="0">
+            <a:schemeClr val="accent1"/>
+          </a:fillRef>
+          <a:effectRef idx="0">
+            <a:schemeClr val="accent1"/>
+          </a:effectRef>
+          <a:fontRef idx="minor">
+            <a:schemeClr val="tx1"/>
+          </a:fontRef>
+        </p:style>
+      </p:cxnSp>
+      <p:cxnSp>
+        <p:nvCxnSpPr>
+          <p:cNvPr id="22" name="Straight Connector 21">
+            <a:extLst>
+              <a:ext uri="{FF2B5EF4-FFF2-40B4-BE49-F238E27FC236}">
+                <a16:creationId xmlns:a16="http://schemas.microsoft.com/office/drawing/2014/main" id="{50023B8A-04D2-CEB9-0660-702C96DEBCF3}"/>
+              </a:ext>
+            </a:extLst>
+          </p:cNvPr>
+          <p:cNvCxnSpPr>
+            <a:cxnSpLocks/>
+          </p:cNvCxnSpPr>
+          <p:nvPr/>
+        </p:nvCxnSpPr>
+        <p:spPr>
+          <a:xfrm flipH="1">
+            <a:off x="2692316" y="888168"/>
+            <a:ext cx="2961061" cy="0"/>
+          </a:xfrm>
+          <a:prstGeom prst="line">
+            <a:avLst/>
+          </a:prstGeom>
+          <a:ln w="12700">
+            <a:solidFill>
+              <a:schemeClr val="bg1">
+                <a:lumMod val="50000"/>
+              </a:schemeClr>
+            </a:solidFill>
+            <a:prstDash val="dash"/>
+          </a:ln>
+        </p:spPr>
+        <p:style>
+          <a:lnRef idx="1">
+            <a:schemeClr val="accent1"/>
+          </a:lnRef>
+          <a:fillRef idx="0">
+            <a:schemeClr val="accent1"/>
+          </a:fillRef>
+          <a:effectRef idx="0">
+            <a:schemeClr val="accent1"/>
+          </a:effectRef>
+          <a:fontRef idx="minor">
+            <a:schemeClr val="tx1"/>
+          </a:fontRef>
+        </p:style>
+      </p:cxnSp>
+      <p:cxnSp>
+        <p:nvCxnSpPr>
+          <p:cNvPr id="27" name="Straight Connector 26">
+            <a:extLst>
+              <a:ext uri="{FF2B5EF4-FFF2-40B4-BE49-F238E27FC236}">
+                <a16:creationId xmlns:a16="http://schemas.microsoft.com/office/drawing/2014/main" id="{88826F56-8973-6311-3361-C47C1319599E}"/>
+              </a:ext>
+            </a:extLst>
+          </p:cNvPr>
+          <p:cNvCxnSpPr>
+            <a:cxnSpLocks/>
+          </p:cNvCxnSpPr>
+          <p:nvPr/>
+        </p:nvCxnSpPr>
+        <p:spPr>
+          <a:xfrm flipH="1">
+            <a:off x="2676869" y="4747568"/>
+            <a:ext cx="2961061" cy="0"/>
+          </a:xfrm>
+          <a:prstGeom prst="line">
+            <a:avLst/>
+          </a:prstGeom>
+          <a:ln w="12700">
+            <a:solidFill>
+              <a:schemeClr val="bg1">
+                <a:lumMod val="50000"/>
+              </a:schemeClr>
+            </a:solidFill>
+            <a:prstDash val="dash"/>
+          </a:ln>
+        </p:spPr>
+        <p:style>
+          <a:lnRef idx="1">
+            <a:schemeClr val="accent1"/>
+          </a:lnRef>
+          <a:fillRef idx="0">
+            <a:schemeClr val="accent1"/>
+          </a:fillRef>
+          <a:effectRef idx="0">
+            <a:schemeClr val="accent1"/>
+          </a:effectRef>
+          <a:fontRef idx="minor">
+            <a:schemeClr val="tx1"/>
+          </a:fontRef>
+        </p:style>
+      </p:cxnSp>
+      <p:cxnSp>
+        <p:nvCxnSpPr>
+          <p:cNvPr id="28" name="Straight Connector 27">
+            <a:extLst>
+              <a:ext uri="{FF2B5EF4-FFF2-40B4-BE49-F238E27FC236}">
+                <a16:creationId xmlns:a16="http://schemas.microsoft.com/office/drawing/2014/main" id="{CDD2EF52-3133-C9D9-00F4-C78ABEF2ACEB}"/>
+              </a:ext>
+            </a:extLst>
+          </p:cNvPr>
+          <p:cNvCxnSpPr>
+            <a:cxnSpLocks/>
+          </p:cNvCxnSpPr>
+          <p:nvPr/>
+        </p:nvCxnSpPr>
+        <p:spPr>
+          <a:xfrm flipV="1">
+            <a:off x="5671438" y="895484"/>
+            <a:ext cx="0" cy="1468926"/>
+          </a:xfrm>
+          <a:prstGeom prst="line">
+            <a:avLst/>
+          </a:prstGeom>
+          <a:ln w="12700">
+            <a:solidFill>
+              <a:schemeClr val="bg1">
+                <a:lumMod val="50000"/>
+              </a:schemeClr>
+            </a:solidFill>
+            <a:prstDash val="dash"/>
+          </a:ln>
+        </p:spPr>
+        <p:style>
+          <a:lnRef idx="1">
+            <a:schemeClr val="accent1"/>
+          </a:lnRef>
+          <a:fillRef idx="0">
+            <a:schemeClr val="accent1"/>
+          </a:fillRef>
+          <a:effectRef idx="0">
+            <a:schemeClr val="accent1"/>
+          </a:effectRef>
+          <a:fontRef idx="minor">
+            <a:schemeClr val="tx1"/>
+          </a:fontRef>
+        </p:style>
+      </p:cxnSp>
+      <p:cxnSp>
+        <p:nvCxnSpPr>
+          <p:cNvPr id="31" name="Straight Connector 30">
+            <a:extLst>
+              <a:ext uri="{FF2B5EF4-FFF2-40B4-BE49-F238E27FC236}">
+                <a16:creationId xmlns:a16="http://schemas.microsoft.com/office/drawing/2014/main" id="{4CA8AF05-9FA3-9E34-4F0D-14092C679B9C}"/>
+              </a:ext>
+            </a:extLst>
+          </p:cNvPr>
+          <p:cNvCxnSpPr>
+            <a:cxnSpLocks/>
+          </p:cNvCxnSpPr>
+          <p:nvPr/>
+        </p:nvCxnSpPr>
+        <p:spPr>
+          <a:xfrm flipV="1">
+            <a:off x="5671438" y="3290673"/>
+            <a:ext cx="0" cy="1455067"/>
+          </a:xfrm>
+          <a:prstGeom prst="line">
+            <a:avLst/>
+          </a:prstGeom>
+          <a:ln w="12700">
+            <a:solidFill>
+              <a:schemeClr val="bg1">
+                <a:lumMod val="50000"/>
+              </a:schemeClr>
+            </a:solidFill>
+            <a:prstDash val="dash"/>
+          </a:ln>
+        </p:spPr>
+        <p:style>
+          <a:lnRef idx="1">
+            <a:schemeClr val="accent1"/>
+          </a:lnRef>
+          <a:fillRef idx="0">
+            <a:schemeClr val="accent1"/>
+          </a:fillRef>
+          <a:effectRef idx="0">
+            <a:schemeClr val="accent1"/>
+          </a:effectRef>
+          <a:fontRef idx="minor">
+            <a:schemeClr val="tx1"/>
+          </a:fontRef>
+        </p:style>
+      </p:cxnSp>
+      <p:cxnSp>
+        <p:nvCxnSpPr>
+          <p:cNvPr id="32" name="Straight Connector 31">
+            <a:extLst>
+              <a:ext uri="{FF2B5EF4-FFF2-40B4-BE49-F238E27FC236}">
+                <a16:creationId xmlns:a16="http://schemas.microsoft.com/office/drawing/2014/main" id="{E2CDB23A-FA83-5650-D9AB-41B9BA46FC0B}"/>
+              </a:ext>
+            </a:extLst>
+          </p:cNvPr>
+          <p:cNvCxnSpPr>
+            <a:cxnSpLocks/>
+          </p:cNvCxnSpPr>
+          <p:nvPr/>
+        </p:nvCxnSpPr>
+        <p:spPr>
+          <a:xfrm flipH="1">
+            <a:off x="5671438" y="2376376"/>
+            <a:ext cx="2351641" cy="0"/>
+          </a:xfrm>
+          <a:prstGeom prst="line">
+            <a:avLst/>
+          </a:prstGeom>
+          <a:ln w="12700">
+            <a:solidFill>
+              <a:schemeClr val="bg1">
+                <a:lumMod val="50000"/>
+              </a:schemeClr>
+            </a:solidFill>
+            <a:prstDash val="dash"/>
+          </a:ln>
+        </p:spPr>
+        <p:style>
+          <a:lnRef idx="1">
+            <a:schemeClr val="accent1"/>
+          </a:lnRef>
+          <a:fillRef idx="0">
+            <a:schemeClr val="accent1"/>
+          </a:fillRef>
+          <a:effectRef idx="0">
+            <a:schemeClr val="accent1"/>
+          </a:effectRef>
+          <a:fontRef idx="minor">
+            <a:schemeClr val="tx1"/>
+          </a:fontRef>
+        </p:style>
+      </p:cxnSp>
+      <p:cxnSp>
+        <p:nvCxnSpPr>
+          <p:cNvPr id="36" name="Straight Connector 35">
+            <a:extLst>
+              <a:ext uri="{FF2B5EF4-FFF2-40B4-BE49-F238E27FC236}">
+                <a16:creationId xmlns:a16="http://schemas.microsoft.com/office/drawing/2014/main" id="{3ADDB929-76B0-5A75-CF8A-9502D8D6F1E3}"/>
+              </a:ext>
+            </a:extLst>
+          </p:cNvPr>
+          <p:cNvCxnSpPr>
+            <a:cxnSpLocks/>
+          </p:cNvCxnSpPr>
+          <p:nvPr/>
+        </p:nvCxnSpPr>
+        <p:spPr>
+          <a:xfrm flipH="1">
+            <a:off x="5671438" y="3290673"/>
+            <a:ext cx="2361317" cy="0"/>
+          </a:xfrm>
+          <a:prstGeom prst="line">
+            <a:avLst/>
+          </a:prstGeom>
+          <a:ln w="12700">
+            <a:solidFill>
+              <a:schemeClr val="bg1">
+                <a:lumMod val="50000"/>
+              </a:schemeClr>
+            </a:solidFill>
+            <a:prstDash val="dash"/>
+          </a:ln>
+        </p:spPr>
+        <p:style>
+          <a:lnRef idx="1">
+            <a:schemeClr val="accent1"/>
+          </a:lnRef>
+          <a:fillRef idx="0">
+            <a:schemeClr val="accent1"/>
+          </a:fillRef>
+          <a:effectRef idx="0">
+            <a:schemeClr val="accent1"/>
+          </a:effectRef>
+          <a:fontRef idx="minor">
+            <a:schemeClr val="tx1"/>
+          </a:fontRef>
+        </p:style>
+      </p:cxnSp>
+      <p:cxnSp>
+        <p:nvCxnSpPr>
+          <p:cNvPr id="38" name="Straight Connector 37">
+            <a:extLst>
+              <a:ext uri="{FF2B5EF4-FFF2-40B4-BE49-F238E27FC236}">
+                <a16:creationId xmlns:a16="http://schemas.microsoft.com/office/drawing/2014/main" id="{A9D63DAF-6EA7-DADD-7314-7E70BC83B8C0}"/>
+              </a:ext>
+            </a:extLst>
+          </p:cNvPr>
+          <p:cNvCxnSpPr>
+            <a:cxnSpLocks/>
+          </p:cNvCxnSpPr>
+          <p:nvPr/>
+        </p:nvCxnSpPr>
+        <p:spPr>
+          <a:xfrm>
+            <a:off x="8023079" y="2396803"/>
+            <a:ext cx="0" cy="893870"/>
+          </a:xfrm>
+          <a:prstGeom prst="line">
+            <a:avLst/>
+          </a:prstGeom>
+          <a:ln w="12700">
+            <a:solidFill>
+              <a:schemeClr val="bg1">
+                <a:lumMod val="50000"/>
+              </a:schemeClr>
+            </a:solidFill>
+            <a:prstDash val="dash"/>
+          </a:ln>
+        </p:spPr>
+        <p:style>
+          <a:lnRef idx="1">
+            <a:schemeClr val="accent1"/>
+          </a:lnRef>
+          <a:fillRef idx="0">
+            <a:schemeClr val="accent1"/>
+          </a:fillRef>
+          <a:effectRef idx="0">
+            <a:schemeClr val="accent1"/>
+          </a:effectRef>
+          <a:fontRef idx="minor">
+            <a:schemeClr val="tx1"/>
+          </a:fontRef>
+        </p:style>
+      </p:cxnSp>
+      <p:cxnSp>
+        <p:nvCxnSpPr>
+          <p:cNvPr id="45" name="Straight Connector 44">
+            <a:extLst>
+              <a:ext uri="{FF2B5EF4-FFF2-40B4-BE49-F238E27FC236}">
+                <a16:creationId xmlns:a16="http://schemas.microsoft.com/office/drawing/2014/main" id="{91E7C2B6-B5BB-29A9-6CF2-974950F8DADB}"/>
+              </a:ext>
+            </a:extLst>
+          </p:cNvPr>
+          <p:cNvCxnSpPr>
+            <a:cxnSpLocks/>
+          </p:cNvCxnSpPr>
+          <p:nvPr/>
+        </p:nvCxnSpPr>
+        <p:spPr>
+          <a:xfrm flipH="1">
+            <a:off x="5916168" y="4745750"/>
+            <a:ext cx="5077653" cy="0"/>
+          </a:xfrm>
+          <a:prstGeom prst="line">
+            <a:avLst/>
+          </a:prstGeom>
+          <a:ln w="12700">
+            <a:solidFill>
+              <a:schemeClr val="bg1">
+                <a:lumMod val="50000"/>
+              </a:schemeClr>
+            </a:solidFill>
+            <a:prstDash val="dash"/>
+          </a:ln>
+        </p:spPr>
+        <p:style>
+          <a:lnRef idx="1">
+            <a:schemeClr val="accent1"/>
+          </a:lnRef>
+          <a:fillRef idx="0">
+            <a:schemeClr val="accent1"/>
+          </a:fillRef>
+          <a:effectRef idx="0">
+            <a:schemeClr val="accent1"/>
+          </a:effectRef>
+          <a:fontRef idx="minor">
+            <a:schemeClr val="tx1"/>
+          </a:fontRef>
+        </p:style>
+      </p:cxnSp>
+      <p:cxnSp>
+        <p:nvCxnSpPr>
+          <p:cNvPr id="54" name="Straight Connector 53">
+            <a:extLst>
+              <a:ext uri="{FF2B5EF4-FFF2-40B4-BE49-F238E27FC236}">
+                <a16:creationId xmlns:a16="http://schemas.microsoft.com/office/drawing/2014/main" id="{C529BEFB-9D8C-A5EA-B629-B33C267B3CB1}"/>
+              </a:ext>
+            </a:extLst>
+          </p:cNvPr>
+          <p:cNvCxnSpPr>
+            <a:cxnSpLocks/>
+          </p:cNvCxnSpPr>
+          <p:nvPr/>
+        </p:nvCxnSpPr>
+        <p:spPr>
+          <a:xfrm flipH="1">
+            <a:off x="5863430" y="895483"/>
+            <a:ext cx="5077653" cy="0"/>
+          </a:xfrm>
+          <a:prstGeom prst="line">
+            <a:avLst/>
+          </a:prstGeom>
+          <a:ln w="12700">
+            <a:solidFill>
+              <a:schemeClr val="bg1">
+                <a:lumMod val="50000"/>
+              </a:schemeClr>
+            </a:solidFill>
+            <a:prstDash val="dash"/>
+          </a:ln>
+        </p:spPr>
+        <p:style>
+          <a:lnRef idx="1">
+            <a:schemeClr val="accent1"/>
+          </a:lnRef>
+          <a:fillRef idx="0">
+            <a:schemeClr val="accent1"/>
+          </a:fillRef>
+          <a:effectRef idx="0">
+            <a:schemeClr val="accent1"/>
+          </a:effectRef>
+          <a:fontRef idx="minor">
+            <a:schemeClr val="tx1"/>
+          </a:fontRef>
+        </p:style>
+      </p:cxnSp>
+      <p:cxnSp>
+        <p:nvCxnSpPr>
+          <p:cNvPr id="55" name="Straight Connector 54">
+            <a:extLst>
+              <a:ext uri="{FF2B5EF4-FFF2-40B4-BE49-F238E27FC236}">
+                <a16:creationId xmlns:a16="http://schemas.microsoft.com/office/drawing/2014/main" id="{C8374A37-4EE0-2B42-0204-90641DA1DFAA}"/>
+              </a:ext>
+            </a:extLst>
+          </p:cNvPr>
+          <p:cNvCxnSpPr>
+            <a:cxnSpLocks/>
+          </p:cNvCxnSpPr>
+          <p:nvPr/>
+        </p:nvCxnSpPr>
+        <p:spPr>
+          <a:xfrm>
+            <a:off x="10993821" y="895483"/>
+            <a:ext cx="0" cy="3850256"/>
+          </a:xfrm>
+          <a:prstGeom prst="line">
+            <a:avLst/>
+          </a:prstGeom>
+          <a:ln w="12700">
+            <a:solidFill>
+              <a:schemeClr val="bg1">
+                <a:lumMod val="50000"/>
+              </a:schemeClr>
+            </a:solidFill>
+            <a:prstDash val="dash"/>
+          </a:ln>
+        </p:spPr>
+        <p:style>
+          <a:lnRef idx="1">
+            <a:schemeClr val="accent1"/>
+          </a:lnRef>
+          <a:fillRef idx="0">
+            <a:schemeClr val="accent1"/>
+          </a:fillRef>
+          <a:effectRef idx="0">
+            <a:schemeClr val="accent1"/>
+          </a:effectRef>
+          <a:fontRef idx="minor">
+            <a:schemeClr val="tx1"/>
+          </a:fontRef>
+        </p:style>
+      </p:cxnSp>
+      <p:cxnSp>
+        <p:nvCxnSpPr>
+          <p:cNvPr id="58" name="Straight Connector 57">
+            <a:extLst>
+              <a:ext uri="{FF2B5EF4-FFF2-40B4-BE49-F238E27FC236}">
+                <a16:creationId xmlns:a16="http://schemas.microsoft.com/office/drawing/2014/main" id="{4F91675A-667E-2DB1-1719-B37EC82552D4}"/>
+              </a:ext>
+            </a:extLst>
+          </p:cNvPr>
+          <p:cNvCxnSpPr>
+            <a:cxnSpLocks/>
+          </p:cNvCxnSpPr>
+          <p:nvPr/>
+        </p:nvCxnSpPr>
+        <p:spPr>
+          <a:xfrm flipV="1">
+            <a:off x="5869558" y="887864"/>
+            <a:ext cx="0" cy="1310899"/>
+          </a:xfrm>
+          <a:prstGeom prst="line">
+            <a:avLst/>
+          </a:prstGeom>
+          <a:ln w="12700">
+            <a:solidFill>
+              <a:schemeClr val="bg1">
+                <a:lumMod val="50000"/>
+              </a:schemeClr>
+            </a:solidFill>
+            <a:prstDash val="dash"/>
+          </a:ln>
+        </p:spPr>
+        <p:style>
+          <a:lnRef idx="1">
+            <a:schemeClr val="accent1"/>
+          </a:lnRef>
+          <a:fillRef idx="0">
+            <a:schemeClr val="accent1"/>
+          </a:fillRef>
+          <a:effectRef idx="0">
+            <a:schemeClr val="accent1"/>
+          </a:effectRef>
+          <a:fontRef idx="minor">
+            <a:schemeClr val="tx1"/>
+          </a:fontRef>
+        </p:style>
+      </p:cxnSp>
+      <p:cxnSp>
+        <p:nvCxnSpPr>
+          <p:cNvPr id="60" name="Straight Connector 59">
+            <a:extLst>
+              <a:ext uri="{FF2B5EF4-FFF2-40B4-BE49-F238E27FC236}">
+                <a16:creationId xmlns:a16="http://schemas.microsoft.com/office/drawing/2014/main" id="{31DB54A0-CFFF-7303-020F-BD74E166EE45}"/>
+              </a:ext>
+            </a:extLst>
+          </p:cNvPr>
+          <p:cNvCxnSpPr>
+            <a:cxnSpLocks/>
+          </p:cNvCxnSpPr>
+          <p:nvPr/>
+        </p:nvCxnSpPr>
+        <p:spPr>
+          <a:xfrm flipV="1">
+            <a:off x="5919991" y="3496301"/>
+            <a:ext cx="0" cy="1243831"/>
+          </a:xfrm>
+          <a:prstGeom prst="line">
+            <a:avLst/>
+          </a:prstGeom>
+          <a:ln w="12700">
+            <a:solidFill>
+              <a:schemeClr val="bg1">
+                <a:lumMod val="50000"/>
+              </a:schemeClr>
+            </a:solidFill>
+            <a:prstDash val="dash"/>
+          </a:ln>
+        </p:spPr>
+        <p:style>
+          <a:lnRef idx="1">
+            <a:schemeClr val="accent1"/>
+          </a:lnRef>
+          <a:fillRef idx="0">
+            <a:schemeClr val="accent1"/>
+          </a:fillRef>
+          <a:effectRef idx="0">
+            <a:schemeClr val="accent1"/>
+          </a:effectRef>
+          <a:fontRef idx="minor">
+            <a:schemeClr val="tx1"/>
+          </a:fontRef>
+        </p:style>
+      </p:cxnSp>
+      <p:cxnSp>
+        <p:nvCxnSpPr>
+          <p:cNvPr id="61" name="Straight Connector 60">
+            <a:extLst>
+              <a:ext uri="{FF2B5EF4-FFF2-40B4-BE49-F238E27FC236}">
+                <a16:creationId xmlns:a16="http://schemas.microsoft.com/office/drawing/2014/main" id="{FA2C929A-ED04-47B6-ED3E-D9F96111B722}"/>
+              </a:ext>
+            </a:extLst>
+          </p:cNvPr>
+          <p:cNvCxnSpPr>
+            <a:cxnSpLocks/>
+          </p:cNvCxnSpPr>
+          <p:nvPr/>
+        </p:nvCxnSpPr>
+        <p:spPr>
+          <a:xfrm flipH="1">
+            <a:off x="5916168" y="3531794"/>
+            <a:ext cx="2668169" cy="0"/>
+          </a:xfrm>
+          <a:prstGeom prst="line">
+            <a:avLst/>
+          </a:prstGeom>
+          <a:ln w="12700">
+            <a:solidFill>
+              <a:schemeClr val="bg1">
+                <a:lumMod val="50000"/>
+              </a:schemeClr>
+            </a:solidFill>
+            <a:prstDash val="dash"/>
+          </a:ln>
+        </p:spPr>
+        <p:style>
+          <a:lnRef idx="1">
+            <a:schemeClr val="accent1"/>
+          </a:lnRef>
+          <a:fillRef idx="0">
+            <a:schemeClr val="accent1"/>
+          </a:fillRef>
+          <a:effectRef idx="0">
+            <a:schemeClr val="accent1"/>
+          </a:effectRef>
+          <a:fontRef idx="minor">
+            <a:schemeClr val="tx1"/>
+          </a:fontRef>
+        </p:style>
+      </p:cxnSp>
+      <p:cxnSp>
+        <p:nvCxnSpPr>
+          <p:cNvPr id="65" name="Straight Connector 64">
+            <a:extLst>
+              <a:ext uri="{FF2B5EF4-FFF2-40B4-BE49-F238E27FC236}">
+                <a16:creationId xmlns:a16="http://schemas.microsoft.com/office/drawing/2014/main" id="{F8543851-26F7-E0BA-0825-75A3D3A76AF9}"/>
+              </a:ext>
+            </a:extLst>
+          </p:cNvPr>
+          <p:cNvCxnSpPr>
+            <a:cxnSpLocks/>
+          </p:cNvCxnSpPr>
+          <p:nvPr/>
+        </p:nvCxnSpPr>
+        <p:spPr>
+          <a:xfrm flipH="1">
+            <a:off x="5863430" y="2198763"/>
+            <a:ext cx="2720907" cy="0"/>
+          </a:xfrm>
+          <a:prstGeom prst="line">
+            <a:avLst/>
+          </a:prstGeom>
+          <a:ln w="12700">
+            <a:solidFill>
+              <a:schemeClr val="bg1">
+                <a:lumMod val="50000"/>
+              </a:schemeClr>
+            </a:solidFill>
+            <a:prstDash val="dash"/>
+          </a:ln>
+        </p:spPr>
+        <p:style>
+          <a:lnRef idx="1">
+            <a:schemeClr val="accent1"/>
+          </a:lnRef>
+          <a:fillRef idx="0">
+            <a:schemeClr val="accent1"/>
+          </a:fillRef>
+          <a:effectRef idx="0">
+            <a:schemeClr val="accent1"/>
+          </a:effectRef>
+          <a:fontRef idx="minor">
+            <a:schemeClr val="tx1"/>
+          </a:fontRef>
+        </p:style>
+      </p:cxnSp>
+      <p:cxnSp>
+        <p:nvCxnSpPr>
+          <p:cNvPr id="67" name="Straight Connector 66">
+            <a:extLst>
+              <a:ext uri="{FF2B5EF4-FFF2-40B4-BE49-F238E27FC236}">
+                <a16:creationId xmlns:a16="http://schemas.microsoft.com/office/drawing/2014/main" id="{93B94BD9-5584-5F6C-8240-70248077EAB4}"/>
+              </a:ext>
+            </a:extLst>
+          </p:cNvPr>
+          <p:cNvCxnSpPr>
+            <a:cxnSpLocks/>
+          </p:cNvCxnSpPr>
+          <p:nvPr/>
+        </p:nvCxnSpPr>
+        <p:spPr>
+          <a:xfrm>
+            <a:off x="8584337" y="2189845"/>
+            <a:ext cx="0" cy="1341949"/>
+          </a:xfrm>
+          <a:prstGeom prst="line">
+            <a:avLst/>
+          </a:prstGeom>
+          <a:ln w="12700">
+            <a:solidFill>
+              <a:schemeClr val="bg1">
+                <a:lumMod val="50000"/>
+              </a:schemeClr>
+            </a:solidFill>
+            <a:prstDash val="dash"/>
+          </a:ln>
+        </p:spPr>
+        <p:style>
+          <a:lnRef idx="1">
+            <a:schemeClr val="accent1"/>
+          </a:lnRef>
+          <a:fillRef idx="0">
+            <a:schemeClr val="accent1"/>
+          </a:fillRef>
+          <a:effectRef idx="0">
+            <a:schemeClr val="accent1"/>
+          </a:effectRef>
+          <a:fontRef idx="minor">
+            <a:schemeClr val="tx1"/>
+          </a:fontRef>
+        </p:style>
+      </p:cxnSp>
+      <p:sp>
+        <p:nvSpPr>
+          <p:cNvPr id="70" name="TextBox 69">
+            <a:extLst>
+              <a:ext uri="{FF2B5EF4-FFF2-40B4-BE49-F238E27FC236}">
+                <a16:creationId xmlns:a16="http://schemas.microsoft.com/office/drawing/2014/main" id="{4093BCA6-A47F-AA12-7755-A5A335F95FAA}"/>
+              </a:ext>
+            </a:extLst>
+          </p:cNvPr>
+          <p:cNvSpPr txBox="1"/>
+          <p:nvPr/>
+        </p:nvSpPr>
+        <p:spPr>
+          <a:xfrm>
+            <a:off x="203308" y="923422"/>
+            <a:ext cx="725146" cy="307777"/>
+          </a:xfrm>
+          <a:prstGeom prst="rect">
+            <a:avLst/>
+          </a:prstGeom>
+          <a:noFill/>
+        </p:spPr>
+        <p:txBody>
+          <a:bodyPr wrap="square" rtlCol="0">
+            <a:spAutoFit/>
+          </a:bodyPr>
+          <a:lstStyle/>
+          <a:p>
+            <a:r>
+              <a:rPr lang="en-GB" altLang="zh-CN" sz="1400" b="1" dirty="0"/>
+              <a:t>Step</a:t>
+            </a:r>
+            <a:r>
+              <a:rPr lang="zh-CN" altLang="en-US" sz="1400" b="1" dirty="0"/>
+              <a:t> </a:t>
+            </a:r>
+            <a:r>
+              <a:rPr lang="en-US" altLang="zh-CN" sz="1400" b="1" dirty="0"/>
+              <a:t>1</a:t>
+            </a:r>
+            <a:endParaRPr lang="en-GB" altLang="zh-CN" sz="1400" b="1" dirty="0"/>
+          </a:p>
+        </p:txBody>
+      </p:sp>
+      <p:sp>
+        <p:nvSpPr>
+          <p:cNvPr id="71" name="TextBox 70">
+            <a:extLst>
+              <a:ext uri="{FF2B5EF4-FFF2-40B4-BE49-F238E27FC236}">
+                <a16:creationId xmlns:a16="http://schemas.microsoft.com/office/drawing/2014/main" id="{B3C8B10E-BBE1-6BCD-781C-36523B3CD490}"/>
+              </a:ext>
+            </a:extLst>
+          </p:cNvPr>
+          <p:cNvSpPr txBox="1"/>
+          <p:nvPr/>
+        </p:nvSpPr>
+        <p:spPr>
+          <a:xfrm>
+            <a:off x="2696526" y="923422"/>
+            <a:ext cx="725146" cy="307777"/>
+          </a:xfrm>
+          <a:prstGeom prst="rect">
+            <a:avLst/>
+          </a:prstGeom>
+          <a:noFill/>
+        </p:spPr>
+        <p:txBody>
+          <a:bodyPr wrap="square" rtlCol="0">
+            <a:spAutoFit/>
+          </a:bodyPr>
+          <a:lstStyle/>
+          <a:p>
+            <a:r>
+              <a:rPr lang="en-GB" altLang="zh-CN" sz="1400" b="1" dirty="0"/>
+              <a:t>Step</a:t>
+            </a:r>
+            <a:r>
+              <a:rPr lang="zh-CN" altLang="en-US" sz="1400" b="1" dirty="0"/>
+              <a:t> </a:t>
+            </a:r>
+            <a:r>
+              <a:rPr lang="en-US" altLang="zh-CN" sz="1400" b="1" dirty="0"/>
+              <a:t>2</a:t>
+            </a:r>
+            <a:endParaRPr lang="en-GB" altLang="zh-CN" sz="1400" b="1" dirty="0"/>
+          </a:p>
+        </p:txBody>
+      </p:sp>
+      <p:sp>
+        <p:nvSpPr>
+          <p:cNvPr id="73" name="TextBox 72">
+            <a:extLst>
+              <a:ext uri="{FF2B5EF4-FFF2-40B4-BE49-F238E27FC236}">
+                <a16:creationId xmlns:a16="http://schemas.microsoft.com/office/drawing/2014/main" id="{6C38F449-39A4-3CFC-1C64-F5D2A324148F}"/>
+              </a:ext>
+            </a:extLst>
+          </p:cNvPr>
+          <p:cNvSpPr txBox="1"/>
+          <p:nvPr/>
+        </p:nvSpPr>
+        <p:spPr>
+          <a:xfrm>
+            <a:off x="10348787" y="923422"/>
+            <a:ext cx="725146" cy="307777"/>
+          </a:xfrm>
+          <a:prstGeom prst="rect">
+            <a:avLst/>
+          </a:prstGeom>
+          <a:noFill/>
+        </p:spPr>
+        <p:txBody>
+          <a:bodyPr wrap="square" rtlCol="0">
+            <a:spAutoFit/>
+          </a:bodyPr>
+          <a:lstStyle/>
+          <a:p>
+            <a:r>
+              <a:rPr lang="en-GB" altLang="zh-CN" sz="1400" b="1" dirty="0"/>
+              <a:t>Step</a:t>
+            </a:r>
+            <a:r>
+              <a:rPr lang="zh-CN" altLang="en-US" sz="1400" b="1" dirty="0"/>
+              <a:t> </a:t>
+            </a:r>
+            <a:r>
+              <a:rPr lang="en-US" altLang="zh-CN" sz="1400" b="1" dirty="0"/>
+              <a:t>3</a:t>
+            </a:r>
+            <a:endParaRPr lang="en-GB" altLang="zh-CN" sz="1400" b="1" dirty="0"/>
           </a:p>
         </p:txBody>
       </p:sp>
@@ -6413,7 +9018,7 @@
 </p:sld>
 </file>
 
-<file path=ppt/slides/slide11.xml><?xml version="1.0" encoding="utf-8"?>
+<file path=ppt/slides/slide14.xml><?xml version="1.0" encoding="utf-8"?>
 <p:sld xmlns:a="http://schemas.openxmlformats.org/drawingml/2006/main" xmlns:r="http://schemas.openxmlformats.org/officeDocument/2006/relationships" xmlns:p="http://schemas.openxmlformats.org/presentationml/2006/main">
   <p:cSld>
     <p:spTree>
@@ -10980,70 +13585,41 @@
       </p:grpSpPr>
       <p:sp>
         <p:nvSpPr>
-          <p:cNvPr id="5" name="TextBox 4">
-            <a:extLst>
-              <a:ext uri="{FF2B5EF4-FFF2-40B4-BE49-F238E27FC236}">
-                <a16:creationId xmlns:a16="http://schemas.microsoft.com/office/drawing/2014/main" id="{8502433D-171E-8B97-311A-B6CC8155AC43}"/>
-              </a:ext>
-            </a:extLst>
-          </p:cNvPr>
-          <p:cNvSpPr txBox="1"/>
-          <p:nvPr/>
-        </p:nvSpPr>
-        <p:spPr>
-          <a:xfrm>
-            <a:off x="814849" y="420018"/>
-            <a:ext cx="3727654" cy="461665"/>
-          </a:xfrm>
-          <a:prstGeom prst="rect">
-            <a:avLst/>
-          </a:prstGeom>
-          <a:noFill/>
-        </p:spPr>
-        <p:txBody>
-          <a:bodyPr wrap="square">
-            <a:spAutoFit/>
-          </a:bodyPr>
-          <a:lstStyle/>
-          <a:p>
-            <a:r>
-              <a:rPr lang="en-LU" sz="2400" b="1" dirty="0"/>
-              <a:t>GNN</a:t>
-            </a:r>
-            <a:r>
-              <a:rPr lang="zh-CN" altLang="en-US" sz="2400" b="1" dirty="0"/>
-              <a:t> </a:t>
-            </a:r>
-            <a:r>
-              <a:rPr lang="en-US" altLang="zh-CN" sz="2400" b="1" dirty="0"/>
-              <a:t>models</a:t>
-            </a:r>
-            <a:r>
-              <a:rPr lang="zh-CN" altLang="en-US" sz="2400" b="1" dirty="0"/>
-              <a:t> </a:t>
-            </a:r>
-            <a:r>
-              <a:rPr lang="en-US" altLang="zh-CN" sz="2400" b="1" dirty="0"/>
-              <a:t>and</a:t>
-            </a:r>
-            <a:r>
-              <a:rPr lang="zh-CN" altLang="en-US" sz="2400" b="1" dirty="0"/>
-              <a:t> </a:t>
-            </a:r>
-            <a:r>
-              <a:rPr lang="en-US" altLang="zh-CN" sz="2400" b="1" dirty="0"/>
-              <a:t>datasets</a:t>
-            </a:r>
-            <a:endParaRPr lang="en-LU" sz="2400" b="1" dirty="0"/>
+          <p:cNvPr id="2" name="Title 1">
+            <a:extLst>
+              <a:ext uri="{FF2B5EF4-FFF2-40B4-BE49-F238E27FC236}">
+                <a16:creationId xmlns:a16="http://schemas.microsoft.com/office/drawing/2014/main" id="{ED0C3889-54DA-7338-638C-A673E2FF194B}"/>
+              </a:ext>
+            </a:extLst>
+          </p:cNvPr>
+          <p:cNvSpPr>
+            <a:spLocks noGrp="1"/>
+          </p:cNvSpPr>
+          <p:nvPr>
+            <p:ph type="title"/>
+          </p:nvPr>
+        </p:nvSpPr>
+        <p:spPr/>
+        <p:txBody>
+          <a:bodyPr/>
+          <a:lstStyle/>
+          <a:p>
+            <a:r>
+              <a:rPr lang="en-LU" dirty="0">
+                <a:latin typeface="Times New Roman" panose="02020603050405020304" pitchFamily="18" charset="0"/>
+                <a:cs typeface="Times New Roman" panose="02020603050405020304" pitchFamily="18" charset="0"/>
+              </a:rPr>
+              <a:t>Overview</a:t>
+            </a:r>
           </a:p>
         </p:txBody>
       </p:sp>
       <p:pic>
         <p:nvPicPr>
-          <p:cNvPr id="6" name="Picture 5">
-            <a:extLst>
-              <a:ext uri="{FF2B5EF4-FFF2-40B4-BE49-F238E27FC236}">
-                <a16:creationId xmlns:a16="http://schemas.microsoft.com/office/drawing/2014/main" id="{6C07B0B9-6BF5-014F-2DA3-CACFF316D11E}"/>
+          <p:cNvPr id="4" name="Picture 3">
+            <a:extLst>
+              <a:ext uri="{FF2B5EF4-FFF2-40B4-BE49-F238E27FC236}">
+                <a16:creationId xmlns:a16="http://schemas.microsoft.com/office/drawing/2014/main" id="{F3273554-4524-33C5-8080-6E086650FB2B}"/>
               </a:ext>
             </a:extLst>
           </p:cNvPr>
@@ -11060,78 +13636,18 @@
         </p:blipFill>
         <p:spPr>
           <a:xfrm>
-            <a:off x="1730477" y="1149657"/>
-            <a:ext cx="7772400" cy="3850763"/>
+            <a:off x="1018603" y="1449984"/>
+            <a:ext cx="10366820" cy="3826104"/>
           </a:xfrm>
           <a:prstGeom prst="rect">
             <a:avLst/>
           </a:prstGeom>
         </p:spPr>
       </p:pic>
-      <p:sp>
-        <p:nvSpPr>
-          <p:cNvPr id="9" name="TextBox 8">
-            <a:extLst>
-              <a:ext uri="{FF2B5EF4-FFF2-40B4-BE49-F238E27FC236}">
-                <a16:creationId xmlns:a16="http://schemas.microsoft.com/office/drawing/2014/main" id="{1B9775C3-AF88-A8EE-2E21-1BE8F0088952}"/>
-              </a:ext>
-            </a:extLst>
-          </p:cNvPr>
-          <p:cNvSpPr txBox="1"/>
-          <p:nvPr/>
-        </p:nvSpPr>
-        <p:spPr>
-          <a:xfrm>
-            <a:off x="3224719" y="5156020"/>
-            <a:ext cx="4664413" cy="369332"/>
-          </a:xfrm>
-          <a:prstGeom prst="rect">
-            <a:avLst/>
-          </a:prstGeom>
-          <a:noFill/>
-        </p:spPr>
-        <p:txBody>
-          <a:bodyPr wrap="square">
-            <a:spAutoFit/>
-          </a:bodyPr>
-          <a:lstStyle/>
-          <a:p>
-            <a:r>
-              <a:rPr lang="en-US" altLang="zh-CN" dirty="0">
-                <a:solidFill>
-                  <a:srgbClr val="FF0000"/>
-                </a:solidFill>
-              </a:rPr>
-              <a:t>4</a:t>
-            </a:r>
-            <a:r>
-              <a:rPr lang="zh-CN" altLang="en-US" dirty="0">
-                <a:solidFill>
-                  <a:srgbClr val="FF0000"/>
-                </a:solidFill>
-              </a:rPr>
-              <a:t> </a:t>
-            </a:r>
-            <a:r>
-              <a:rPr lang="en-US" altLang="zh-CN" dirty="0">
-                <a:solidFill>
-                  <a:srgbClr val="FF0000"/>
-                </a:solidFill>
-              </a:rPr>
-              <a:t>datasets, 4 GNN models, 7 attack techniques</a:t>
-            </a:r>
-            <a:endParaRPr lang="en-LU" dirty="0">
-              <a:solidFill>
-                <a:srgbClr val="FF0000"/>
-              </a:solidFill>
-            </a:endParaRPr>
-          </a:p>
-        </p:txBody>
-      </p:sp>
     </p:spTree>
     <p:extLst>
       <p:ext uri="{BB962C8B-B14F-4D97-AF65-F5344CB8AC3E}">
-        <p14:creationId xmlns:p14="http://schemas.microsoft.com/office/powerpoint/2010/main" val="2524555532"/>
+        <p14:creationId xmlns:p14="http://schemas.microsoft.com/office/powerpoint/2010/main" val="3914577443"/>
       </p:ext>
     </p:extLst>
   </p:cSld>
@@ -11160,10 +13676,10 @@
       </p:grpSpPr>
       <p:sp>
         <p:nvSpPr>
-          <p:cNvPr id="4" name="TextBox 3">
-            <a:extLst>
-              <a:ext uri="{FF2B5EF4-FFF2-40B4-BE49-F238E27FC236}">
-                <a16:creationId xmlns:a16="http://schemas.microsoft.com/office/drawing/2014/main" id="{3907CC4B-7F49-53A6-B40D-F1E73A8335CD}"/>
+          <p:cNvPr id="5" name="TextBox 4">
+            <a:extLst>
+              <a:ext uri="{FF2B5EF4-FFF2-40B4-BE49-F238E27FC236}">
+                <a16:creationId xmlns:a16="http://schemas.microsoft.com/office/drawing/2014/main" id="{8502433D-171E-8B97-311A-B6CC8155AC43}"/>
               </a:ext>
             </a:extLst>
           </p:cNvPr>
@@ -11172,8 +13688,8 @@
         </p:nvSpPr>
         <p:spPr>
           <a:xfrm>
-            <a:off x="418289" y="379379"/>
-            <a:ext cx="4267194" cy="461665"/>
+            <a:off x="814849" y="420018"/>
+            <a:ext cx="3727654" cy="461665"/>
           </a:xfrm>
           <a:prstGeom prst="rect">
             <a:avLst/>
@@ -11181,14 +13697,38 @@
           <a:noFill/>
         </p:spPr>
         <p:txBody>
-          <a:bodyPr wrap="none" rtlCol="0">
+          <a:bodyPr wrap="square">
             <a:spAutoFit/>
           </a:bodyPr>
           <a:lstStyle/>
           <a:p>
             <a:r>
-              <a:rPr lang="en-GB" sz="2400" b="1" dirty="0"/>
-              <a:t>RQ1: Effectiveness of NodeRank</a:t>
+              <a:rPr lang="en-LU" sz="2400" b="1" dirty="0"/>
+              <a:t>GNN</a:t>
+            </a:r>
+            <a:r>
+              <a:rPr lang="zh-CN" altLang="en-US" sz="2400" b="1" dirty="0"/>
+              <a:t> </a:t>
+            </a:r>
+            <a:r>
+              <a:rPr lang="en-US" altLang="zh-CN" sz="2400" b="1" dirty="0"/>
+              <a:t>models</a:t>
+            </a:r>
+            <a:r>
+              <a:rPr lang="zh-CN" altLang="en-US" sz="2400" b="1" dirty="0"/>
+              <a:t> </a:t>
+            </a:r>
+            <a:r>
+              <a:rPr lang="en-US" altLang="zh-CN" sz="2400" b="1" dirty="0"/>
+              <a:t>and</a:t>
+            </a:r>
+            <a:r>
+              <a:rPr lang="zh-CN" altLang="en-US" sz="2400" b="1" dirty="0"/>
+              <a:t> </a:t>
+            </a:r>
+            <a:r>
+              <a:rPr lang="en-US" altLang="zh-CN" sz="2400" b="1" dirty="0"/>
+              <a:t>datasets</a:t>
             </a:r>
             <a:endParaRPr lang="en-LU" sz="2400" b="1" dirty="0"/>
           </a:p>
@@ -11196,10 +13736,10 @@
       </p:sp>
       <p:pic>
         <p:nvPicPr>
-          <p:cNvPr id="5" name="Picture 4">
-            <a:extLst>
-              <a:ext uri="{FF2B5EF4-FFF2-40B4-BE49-F238E27FC236}">
-                <a16:creationId xmlns:a16="http://schemas.microsoft.com/office/drawing/2014/main" id="{BF176964-200F-F55D-F5F8-169FFE398877}"/>
+          <p:cNvPr id="6" name="Picture 5">
+            <a:extLst>
+              <a:ext uri="{FF2B5EF4-FFF2-40B4-BE49-F238E27FC236}">
+                <a16:creationId xmlns:a16="http://schemas.microsoft.com/office/drawing/2014/main" id="{6C07B0B9-6BF5-014F-2DA3-CACFF316D11E}"/>
               </a:ext>
             </a:extLst>
           </p:cNvPr>
@@ -11216,20 +13756,80 @@
         </p:blipFill>
         <p:spPr>
           <a:xfrm>
-            <a:off x="641057" y="1166283"/>
-            <a:ext cx="10909885" cy="1518552"/>
+            <a:off x="292608" y="1186401"/>
+            <a:ext cx="6528695" cy="3234581"/>
           </a:xfrm>
           <a:prstGeom prst="rect">
             <a:avLst/>
           </a:prstGeom>
         </p:spPr>
       </p:pic>
+      <p:sp>
+        <p:nvSpPr>
+          <p:cNvPr id="9" name="TextBox 8">
+            <a:extLst>
+              <a:ext uri="{FF2B5EF4-FFF2-40B4-BE49-F238E27FC236}">
+                <a16:creationId xmlns:a16="http://schemas.microsoft.com/office/drawing/2014/main" id="{1B9775C3-AF88-A8EE-2E21-1BE8F0088952}"/>
+              </a:ext>
+            </a:extLst>
+          </p:cNvPr>
+          <p:cNvSpPr txBox="1"/>
+          <p:nvPr/>
+        </p:nvSpPr>
+        <p:spPr>
+          <a:xfrm>
+            <a:off x="1277047" y="4899988"/>
+            <a:ext cx="4664413" cy="369332"/>
+          </a:xfrm>
+          <a:prstGeom prst="rect">
+            <a:avLst/>
+          </a:prstGeom>
+          <a:noFill/>
+        </p:spPr>
+        <p:txBody>
+          <a:bodyPr wrap="square">
+            <a:spAutoFit/>
+          </a:bodyPr>
+          <a:lstStyle/>
+          <a:p>
+            <a:r>
+              <a:rPr lang="en-US" altLang="zh-CN" dirty="0">
+                <a:solidFill>
+                  <a:srgbClr val="FF0000"/>
+                </a:solidFill>
+              </a:rPr>
+              <a:t>4</a:t>
+            </a:r>
+            <a:r>
+              <a:rPr lang="zh-CN" altLang="en-US" dirty="0">
+                <a:solidFill>
+                  <a:srgbClr val="FF0000"/>
+                </a:solidFill>
+              </a:rPr>
+              <a:t> </a:t>
+            </a:r>
+            <a:r>
+              <a:rPr lang="en-US" altLang="zh-CN" dirty="0">
+                <a:solidFill>
+                  <a:srgbClr val="FF0000"/>
+                </a:solidFill>
+              </a:rPr>
+              <a:t>datasets, 4 GNN models, 7 attack techniques</a:t>
+            </a:r>
+            <a:endParaRPr lang="en-LU" dirty="0">
+              <a:solidFill>
+                <a:srgbClr val="FF0000"/>
+              </a:solidFill>
+            </a:endParaRPr>
+          </a:p>
+        </p:txBody>
+      </p:sp>
       <p:pic>
         <p:nvPicPr>
-          <p:cNvPr id="6" name="Picture 5">
-            <a:extLst>
-              <a:ext uri="{FF2B5EF4-FFF2-40B4-BE49-F238E27FC236}">
-                <a16:creationId xmlns:a16="http://schemas.microsoft.com/office/drawing/2014/main" id="{B76EDFC7-5890-3527-E293-D4D36EA05714}"/>
+          <p:cNvPr id="2" name="Picture 1">
+            <a:extLst>
+              <a:ext uri="{FF2B5EF4-FFF2-40B4-BE49-F238E27FC236}">
+                <a16:creationId xmlns:a16="http://schemas.microsoft.com/office/drawing/2014/main" id="{7E76FDDE-4B6B-9EBA-9D29-5F75EBE9CDE2}"/>
               </a:ext>
             </a:extLst>
           </p:cNvPr>
@@ -11246,93 +13846,18 @@
         </p:blipFill>
         <p:spPr>
           <a:xfrm>
-            <a:off x="2768599" y="2772112"/>
-            <a:ext cx="6654800" cy="1955800"/>
+            <a:off x="6935216" y="1253040"/>
+            <a:ext cx="4964176" cy="2909675"/>
           </a:xfrm>
           <a:prstGeom prst="rect">
             <a:avLst/>
           </a:prstGeom>
         </p:spPr>
       </p:pic>
-      <p:sp>
-        <p:nvSpPr>
-          <p:cNvPr id="8" name="TextBox 7">
-            <a:extLst>
-              <a:ext uri="{FF2B5EF4-FFF2-40B4-BE49-F238E27FC236}">
-                <a16:creationId xmlns:a16="http://schemas.microsoft.com/office/drawing/2014/main" id="{251D2405-4F6D-B592-3E53-8D6832D78587}"/>
-              </a:ext>
-            </a:extLst>
-          </p:cNvPr>
-          <p:cNvSpPr txBox="1"/>
-          <p:nvPr/>
-        </p:nvSpPr>
-        <p:spPr>
-          <a:xfrm>
-            <a:off x="1636680" y="5278292"/>
-            <a:ext cx="9413121" cy="646331"/>
-          </a:xfrm>
-          <a:prstGeom prst="rect">
-            <a:avLst/>
-          </a:prstGeom>
-          <a:noFill/>
-        </p:spPr>
-        <p:txBody>
-          <a:bodyPr wrap="square">
-            <a:spAutoFit/>
-          </a:bodyPr>
-          <a:lstStyle/>
-          <a:p>
-            <a:r>
-              <a:rPr lang="en-LU" dirty="0"/>
-              <a:t>On natural inputs, </a:t>
-            </a:r>
-            <a:r>
-              <a:rPr lang="en-LU" dirty="0">
-                <a:solidFill>
-                  <a:srgbClr val="FF0000"/>
-                </a:solidFill>
-              </a:rPr>
-              <a:t>NodeRank performs the best across all the subjects in terms of APFD</a:t>
-            </a:r>
-            <a:r>
-              <a:rPr lang="en-LU" dirty="0"/>
-              <a:t>, with the average </a:t>
-            </a:r>
-            <a:r>
-              <a:rPr lang="en-LU" dirty="0">
-                <a:solidFill>
-                  <a:srgbClr val="FF0000"/>
-                </a:solidFill>
-              </a:rPr>
-              <a:t>improvement of 11.91%</a:t>
-            </a:r>
-            <a:r>
-              <a:rPr lang="en-US" altLang="zh-CN" dirty="0">
-                <a:solidFill>
-                  <a:srgbClr val="FF0000"/>
-                </a:solidFill>
-              </a:rPr>
-              <a:t>--</a:t>
-            </a:r>
-            <a:r>
-              <a:rPr lang="en-LU" dirty="0">
-                <a:solidFill>
-                  <a:srgbClr val="FF0000"/>
-                </a:solidFill>
-              </a:rPr>
-              <a:t>17.94% </a:t>
-            </a:r>
-            <a:r>
-              <a:rPr lang="en-LU" dirty="0"/>
-              <a:t>compared with DeepGini, MP and Margin.</a:t>
-            </a:r>
-          </a:p>
-        </p:txBody>
-      </p:sp>
     </p:spTree>
     <p:extLst>
       <p:ext uri="{BB962C8B-B14F-4D97-AF65-F5344CB8AC3E}">
-        <p14:creationId xmlns:p14="http://schemas.microsoft.com/office/powerpoint/2010/main" val="532820389"/>
+        <p14:creationId xmlns:p14="http://schemas.microsoft.com/office/powerpoint/2010/main" val="2524555532"/>
       </p:ext>
     </p:extLst>
   </p:cSld>
@@ -11361,10 +13886,10 @@
       </p:grpSpPr>
       <p:sp>
         <p:nvSpPr>
-          <p:cNvPr id="5" name="TextBox 4">
-            <a:extLst>
-              <a:ext uri="{FF2B5EF4-FFF2-40B4-BE49-F238E27FC236}">
-                <a16:creationId xmlns:a16="http://schemas.microsoft.com/office/drawing/2014/main" id="{F9361AAF-70AD-4C43-8029-FBE62E44C6EF}"/>
+          <p:cNvPr id="4" name="TextBox 3">
+            <a:extLst>
+              <a:ext uri="{FF2B5EF4-FFF2-40B4-BE49-F238E27FC236}">
+                <a16:creationId xmlns:a16="http://schemas.microsoft.com/office/drawing/2014/main" id="{3907CC4B-7F49-53A6-B40D-F1E73A8335CD}"/>
               </a:ext>
             </a:extLst>
           </p:cNvPr>
@@ -11373,8 +13898,8 @@
         </p:nvSpPr>
         <p:spPr>
           <a:xfrm>
-            <a:off x="632860" y="397662"/>
-            <a:ext cx="9762423" cy="461665"/>
+            <a:off x="418289" y="379379"/>
+            <a:ext cx="4267194" cy="461665"/>
           </a:xfrm>
           <a:prstGeom prst="rect">
             <a:avLst/>
@@ -11382,14 +13907,14 @@
           <a:noFill/>
         </p:spPr>
         <p:txBody>
-          <a:bodyPr wrap="square">
+          <a:bodyPr wrap="none" rtlCol="0">
             <a:spAutoFit/>
           </a:bodyPr>
           <a:lstStyle/>
           <a:p>
             <a:r>
-              <a:rPr lang="en-GB" altLang="zh-CN" sz="2400" b="1" dirty="0"/>
-              <a:t>RQ2: Effectiveness of NodeRank on Graph Adversarial Data</a:t>
+              <a:rPr lang="en-GB" sz="2400" b="1" dirty="0"/>
+              <a:t>RQ1: Effectiveness of NodeRank</a:t>
             </a:r>
             <a:endParaRPr lang="en-LU" sz="2400" b="1" dirty="0"/>
           </a:p>
@@ -11397,10 +13922,10 @@
       </p:sp>
       <p:pic>
         <p:nvPicPr>
-          <p:cNvPr id="7" name="Picture 6">
-            <a:extLst>
-              <a:ext uri="{FF2B5EF4-FFF2-40B4-BE49-F238E27FC236}">
-                <a16:creationId xmlns:a16="http://schemas.microsoft.com/office/drawing/2014/main" id="{A917F3B3-1B62-570D-4149-53BEF491431C}"/>
+          <p:cNvPr id="5" name="Picture 4">
+            <a:extLst>
+              <a:ext uri="{FF2B5EF4-FFF2-40B4-BE49-F238E27FC236}">
+                <a16:creationId xmlns:a16="http://schemas.microsoft.com/office/drawing/2014/main" id="{BF176964-200F-F55D-F5F8-169FFE398877}"/>
               </a:ext>
             </a:extLst>
           </p:cNvPr>
@@ -11417,20 +13942,50 @@
         </p:blipFill>
         <p:spPr>
           <a:xfrm>
-            <a:off x="212015" y="859327"/>
-            <a:ext cx="6163682" cy="5654842"/>
+            <a:off x="641057" y="1166283"/>
+            <a:ext cx="10909885" cy="1518552"/>
           </a:xfrm>
           <a:prstGeom prst="rect">
             <a:avLst/>
           </a:prstGeom>
         </p:spPr>
       </p:pic>
-      <p:sp>
-        <p:nvSpPr>
-          <p:cNvPr id="9" name="TextBox 8">
-            <a:extLst>
-              <a:ext uri="{FF2B5EF4-FFF2-40B4-BE49-F238E27FC236}">
-                <a16:creationId xmlns:a16="http://schemas.microsoft.com/office/drawing/2014/main" id="{A3853DA4-8A9D-52A8-C3F3-14E7D6084E44}"/>
+      <p:pic>
+        <p:nvPicPr>
+          <p:cNvPr id="6" name="Picture 5">
+            <a:extLst>
+              <a:ext uri="{FF2B5EF4-FFF2-40B4-BE49-F238E27FC236}">
+                <a16:creationId xmlns:a16="http://schemas.microsoft.com/office/drawing/2014/main" id="{B76EDFC7-5890-3527-E293-D4D36EA05714}"/>
+              </a:ext>
+            </a:extLst>
+          </p:cNvPr>
+          <p:cNvPicPr>
+            <a:picLocks noChangeAspect="1"/>
+          </p:cNvPicPr>
+          <p:nvPr/>
+        </p:nvPicPr>
+        <p:blipFill>
+          <a:blip r:embed="rId3"/>
+          <a:stretch>
+            <a:fillRect/>
+          </a:stretch>
+        </p:blipFill>
+        <p:spPr>
+          <a:xfrm>
+            <a:off x="2768599" y="2790400"/>
+            <a:ext cx="6654800" cy="1955800"/>
+          </a:xfrm>
+          <a:prstGeom prst="rect">
+            <a:avLst/>
+          </a:prstGeom>
+        </p:spPr>
+      </p:pic>
+      <p:sp>
+        <p:nvSpPr>
+          <p:cNvPr id="8" name="TextBox 7">
+            <a:extLst>
+              <a:ext uri="{FF2B5EF4-FFF2-40B4-BE49-F238E27FC236}">
+                <a16:creationId xmlns:a16="http://schemas.microsoft.com/office/drawing/2014/main" id="{251D2405-4F6D-B592-3E53-8D6832D78587}"/>
               </a:ext>
             </a:extLst>
           </p:cNvPr>
@@ -11439,8 +13994,8 @@
         </p:nvSpPr>
         <p:spPr>
           <a:xfrm>
-            <a:off x="6375697" y="2590610"/>
-            <a:ext cx="6097604" cy="1200329"/>
+            <a:off x="1636680" y="5278292"/>
+            <a:ext cx="9413121" cy="646331"/>
           </a:xfrm>
           <a:prstGeom prst="rect">
             <a:avLst/>
@@ -11455,7 +14010,7 @@
           <a:p>
             <a:r>
               <a:rPr lang="en-LU" dirty="0"/>
-              <a:t>On graph adversarial inputs, </a:t>
+              <a:t>On natural inputs, </a:t>
             </a:r>
             <a:r>
               <a:rPr lang="en-LU" dirty="0">
@@ -11463,19 +14018,11 @@
                   <a:srgbClr val="FF0000"/>
                 </a:solidFill>
               </a:rPr>
-              <a:t>NodeRank performs the best across all the subjects</a:t>
+              <a:t>NodeRank performs the best across all the subjects in terms of APFD</a:t>
             </a:r>
             <a:r>
               <a:rPr lang="en-LU" dirty="0"/>
-              <a:t> in terms of APFD</a:t>
-            </a:r>
-            <a:r>
-              <a:rPr lang="en-US" dirty="0"/>
-              <a:t>,</a:t>
-            </a:r>
-            <a:r>
-              <a:rPr lang="en-LU" dirty="0"/>
-              <a:t> with the average </a:t>
+              <a:t>, with the average </a:t>
             </a:r>
             <a:r>
               <a:rPr lang="en-LU" dirty="0">
@@ -11483,11 +14030,27 @@
                   <a:srgbClr val="FF0000"/>
                 </a:solidFill>
               </a:rPr>
-              <a:t>improvement of 8.19% ~25.66% </a:t>
+              <a:t>improvement of 11.91%</a:t>
+            </a:r>
+            <a:r>
+              <a:rPr lang="en-US" altLang="zh-CN" dirty="0">
+                <a:solidFill>
+                  <a:srgbClr val="FF0000"/>
+                </a:solidFill>
+              </a:rPr>
+              <a:t>--</a:t>
+            </a:r>
+            <a:r>
+              <a:rPr lang="en-LU" dirty="0">
+                <a:solidFill>
+                  <a:srgbClr val="FF0000"/>
+                </a:solidFill>
+              </a:rPr>
+              <a:t>17.94% </a:t>
             </a:r>
             <a:r>
               <a:rPr lang="en-LU" dirty="0"/>
-              <a:t>compared with existing approaches</a:t>
+              <a:t>compared with DeepGini, MP and Margin.</a:t>
             </a:r>
           </a:p>
         </p:txBody>
@@ -11495,7 +14058,7 @@
     </p:spTree>
     <p:extLst>
       <p:ext uri="{BB962C8B-B14F-4D97-AF65-F5344CB8AC3E}">
-        <p14:creationId xmlns:p14="http://schemas.microsoft.com/office/powerpoint/2010/main" val="18492641"/>
+        <p14:creationId xmlns:p14="http://schemas.microsoft.com/office/powerpoint/2010/main" val="532820389"/>
       </p:ext>
     </p:extLst>
   </p:cSld>
@@ -11527,7 +14090,7 @@
           <p:cNvPr id="5" name="TextBox 4">
             <a:extLst>
               <a:ext uri="{FF2B5EF4-FFF2-40B4-BE49-F238E27FC236}">
-                <a16:creationId xmlns:a16="http://schemas.microsoft.com/office/drawing/2014/main" id="{3012D670-825A-A2BC-79B3-D21AC0B79140}"/>
+                <a16:creationId xmlns:a16="http://schemas.microsoft.com/office/drawing/2014/main" id="{F9361AAF-70AD-4C43-8029-FBE62E44C6EF}"/>
               </a:ext>
             </a:extLst>
           </p:cNvPr>
@@ -11536,8 +14099,8 @@
         </p:nvSpPr>
         <p:spPr>
           <a:xfrm>
-            <a:off x="1576136" y="1631829"/>
-            <a:ext cx="8867274" cy="1200329"/>
+            <a:off x="632860" y="397662"/>
+            <a:ext cx="9762423" cy="461665"/>
           </a:xfrm>
           <a:prstGeom prst="rect">
             <a:avLst/>
@@ -11551,17 +14114,106 @@
           <a:lstStyle/>
           <a:p>
             <a:r>
-              <a:rPr lang="en-LU" sz="2400" b="1" dirty="0"/>
-              <a:t>RQ3: Influence of Ensemble Learning Methods</a:t>
-            </a:r>
-          </a:p>
-          <a:p>
+              <a:rPr lang="en-GB" altLang="zh-CN" sz="2400" b="1" dirty="0"/>
+              <a:t>RQ2: Effectiveness of NodeRank on Graph Adversarial Data</a:t>
+            </a:r>
             <a:endParaRPr lang="en-LU" sz="2400" b="1" dirty="0"/>
           </a:p>
-          <a:p>
-            <a:r>
-              <a:rPr lang="en-LU" sz="2400" b="1" dirty="0"/>
-              <a:t>RQ4: Contributions of each type of mutation rules to NodeRank</a:t>
+        </p:txBody>
+      </p:sp>
+      <p:pic>
+        <p:nvPicPr>
+          <p:cNvPr id="7" name="Picture 6">
+            <a:extLst>
+              <a:ext uri="{FF2B5EF4-FFF2-40B4-BE49-F238E27FC236}">
+                <a16:creationId xmlns:a16="http://schemas.microsoft.com/office/drawing/2014/main" id="{A917F3B3-1B62-570D-4149-53BEF491431C}"/>
+              </a:ext>
+            </a:extLst>
+          </p:cNvPr>
+          <p:cNvPicPr>
+            <a:picLocks noChangeAspect="1"/>
+          </p:cNvPicPr>
+          <p:nvPr/>
+        </p:nvPicPr>
+        <p:blipFill>
+          <a:blip r:embed="rId2"/>
+          <a:stretch>
+            <a:fillRect/>
+          </a:stretch>
+        </p:blipFill>
+        <p:spPr>
+          <a:xfrm>
+            <a:off x="212015" y="859327"/>
+            <a:ext cx="6163682" cy="5654842"/>
+          </a:xfrm>
+          <a:prstGeom prst="rect">
+            <a:avLst/>
+          </a:prstGeom>
+        </p:spPr>
+      </p:pic>
+      <p:sp>
+        <p:nvSpPr>
+          <p:cNvPr id="9" name="TextBox 8">
+            <a:extLst>
+              <a:ext uri="{FF2B5EF4-FFF2-40B4-BE49-F238E27FC236}">
+                <a16:creationId xmlns:a16="http://schemas.microsoft.com/office/drawing/2014/main" id="{A3853DA4-8A9D-52A8-C3F3-14E7D6084E44}"/>
+              </a:ext>
+            </a:extLst>
+          </p:cNvPr>
+          <p:cNvSpPr txBox="1"/>
+          <p:nvPr/>
+        </p:nvSpPr>
+        <p:spPr>
+          <a:xfrm>
+            <a:off x="6375697" y="2590610"/>
+            <a:ext cx="6097604" cy="1200329"/>
+          </a:xfrm>
+          <a:prstGeom prst="rect">
+            <a:avLst/>
+          </a:prstGeom>
+          <a:noFill/>
+        </p:spPr>
+        <p:txBody>
+          <a:bodyPr wrap="square">
+            <a:spAutoFit/>
+          </a:bodyPr>
+          <a:lstStyle/>
+          <a:p>
+            <a:r>
+              <a:rPr lang="en-LU" dirty="0"/>
+              <a:t>On graph adversarial inputs, </a:t>
+            </a:r>
+            <a:r>
+              <a:rPr lang="en-LU" dirty="0">
+                <a:solidFill>
+                  <a:srgbClr val="FF0000"/>
+                </a:solidFill>
+              </a:rPr>
+              <a:t>NodeRank performs the best across all the subjects</a:t>
+            </a:r>
+            <a:r>
+              <a:rPr lang="en-LU" dirty="0"/>
+              <a:t> in terms of APFD</a:t>
+            </a:r>
+            <a:r>
+              <a:rPr lang="en-US" dirty="0"/>
+              <a:t>,</a:t>
+            </a:r>
+            <a:r>
+              <a:rPr lang="en-LU" dirty="0"/>
+              <a:t> with the average </a:t>
+            </a:r>
+            <a:r>
+              <a:rPr lang="en-LU" dirty="0">
+                <a:solidFill>
+                  <a:srgbClr val="FF0000"/>
+                </a:solidFill>
+              </a:rPr>
+              <a:t>improvement of 8.19% ~25.66% </a:t>
+            </a:r>
+            <a:r>
+              <a:rPr lang="en-LU" dirty="0"/>
+              <a:t>compared with existing approaches</a:t>
             </a:r>
           </a:p>
         </p:txBody>
@@ -11569,7 +14221,7 @@
     </p:spTree>
     <p:extLst>
       <p:ext uri="{BB962C8B-B14F-4D97-AF65-F5344CB8AC3E}">
-        <p14:creationId xmlns:p14="http://schemas.microsoft.com/office/powerpoint/2010/main" val="2526834820"/>
+        <p14:creationId xmlns:p14="http://schemas.microsoft.com/office/powerpoint/2010/main" val="18492641"/>
       </p:ext>
     </p:extLst>
   </p:cSld>
